--- a/courseMaterial/Objective-11-Exceptions/Exceptions.pptx
+++ b/courseMaterial/Objective-11-Exceptions/Exceptions.pptx
@@ -5,10 +5,10 @@
     <p:sldMasterId id="2147483648" r:id="rId4"/>
   </p:sldMasterIdLst>
   <p:notesMasterIdLst>
-    <p:notesMasterId r:id="rId23"/>
+    <p:notesMasterId r:id="rId24"/>
   </p:notesMasterIdLst>
   <p:handoutMasterIdLst>
-    <p:handoutMasterId r:id="rId24"/>
+    <p:handoutMasterId r:id="rId25"/>
   </p:handoutMasterIdLst>
   <p:sldIdLst>
     <p:sldId id="256" r:id="rId5"/>
@@ -17,18 +17,19 @@
     <p:sldId id="294" r:id="rId8"/>
     <p:sldId id="295" r:id="rId9"/>
     <p:sldId id="299" r:id="rId10"/>
-    <p:sldId id="300" r:id="rId11"/>
-    <p:sldId id="304" r:id="rId12"/>
-    <p:sldId id="301" r:id="rId13"/>
-    <p:sldId id="303" r:id="rId14"/>
-    <p:sldId id="283" r:id="rId15"/>
-    <p:sldId id="297" r:id="rId16"/>
-    <p:sldId id="302" r:id="rId17"/>
-    <p:sldId id="305" r:id="rId18"/>
-    <p:sldId id="306" r:id="rId19"/>
-    <p:sldId id="307" r:id="rId20"/>
-    <p:sldId id="298" r:id="rId21"/>
-    <p:sldId id="268" r:id="rId22"/>
+    <p:sldId id="308" r:id="rId11"/>
+    <p:sldId id="300" r:id="rId12"/>
+    <p:sldId id="304" r:id="rId13"/>
+    <p:sldId id="301" r:id="rId14"/>
+    <p:sldId id="303" r:id="rId15"/>
+    <p:sldId id="283" r:id="rId16"/>
+    <p:sldId id="297" r:id="rId17"/>
+    <p:sldId id="302" r:id="rId18"/>
+    <p:sldId id="305" r:id="rId19"/>
+    <p:sldId id="306" r:id="rId20"/>
+    <p:sldId id="307" r:id="rId21"/>
+    <p:sldId id="298" r:id="rId22"/>
+    <p:sldId id="268" r:id="rId23"/>
   </p:sldIdLst>
   <p:sldSz cx="12192000" cy="6858000"/>
   <p:notesSz cx="6858000" cy="9144000"/>
@@ -129,10 +130,10 @@
   </p:defaultTextStyle>
   <p:extLst>
     <p:ext uri="{EFAFB233-063F-42B5-8137-9DF3F51BA10A}">
-      <p15:sldGuideLst xmlns:p15="http://schemas.microsoft.com/office/powerpoint/2012/main" xmlns=""/>
+      <p15:sldGuideLst xmlns="" xmlns:p15="http://schemas.microsoft.com/office/powerpoint/2012/main"/>
     </p:ext>
     <p:ext uri="{2D200454-40CA-4A62-9FC3-DE9A4176ACB9}">
-      <p15:notesGuideLst xmlns:p15="http://schemas.microsoft.com/office/powerpoint/2012/main" xmlns=""/>
+      <p15:notesGuideLst xmlns="" xmlns:p15="http://schemas.microsoft.com/office/powerpoint/2012/main"/>
     </p:ext>
   </p:extLst>
 </p:presentation>
@@ -165,7 +166,7 @@
           <p:cNvPr id="2" name="Header Placeholder 1">
             <a:extLst>
               <a:ext uri="{FF2B5EF4-FFF2-40B4-BE49-F238E27FC236}">
-                <a16:creationId xmlns:a16="http://schemas.microsoft.com/office/drawing/2014/main" xmlns="" id="{2BC10188-DC2C-458D-AB41-143A0BE9A310}"/>
+                <a16:creationId xmlns="" xmlns:a16="http://schemas.microsoft.com/office/drawing/2014/main" id="{2BC10188-DC2C-458D-AB41-143A0BE9A310}"/>
               </a:ext>
             </a:extLst>
           </p:cNvPr>
@@ -202,7 +203,7 @@
           <p:cNvPr id="3" name="Date Placeholder 2">
             <a:extLst>
               <a:ext uri="{FF2B5EF4-FFF2-40B4-BE49-F238E27FC236}">
-                <a16:creationId xmlns:a16="http://schemas.microsoft.com/office/drawing/2014/main" xmlns="" id="{C9634E15-7196-43FC-B912-C4D8B4A2CE79}"/>
+                <a16:creationId xmlns="" xmlns:a16="http://schemas.microsoft.com/office/drawing/2014/main" id="{C9634E15-7196-43FC-B912-C4D8B4A2CE79}"/>
               </a:ext>
             </a:extLst>
           </p:cNvPr>
@@ -233,7 +234,7 @@
             <a:fld id="{68416927-5E9C-4E77-85FE-EE4C81C1DE39}" type="datetimeFigureOut">
               <a:rPr lang="en-US" smtClean="0"/>
               <a:pPr/>
-              <a:t>4/26/2020</a:t>
+              <a:t>5/3/2020</a:t>
             </a:fld>
             <a:endParaRPr lang="en-US" dirty="0"/>
           </a:p>
@@ -244,7 +245,7 @@
           <p:cNvPr id="4" name="Footer Placeholder 3">
             <a:extLst>
               <a:ext uri="{FF2B5EF4-FFF2-40B4-BE49-F238E27FC236}">
-                <a16:creationId xmlns:a16="http://schemas.microsoft.com/office/drawing/2014/main" xmlns="" id="{89EA2570-D5B6-41CB-96C2-FFC9944668E5}"/>
+                <a16:creationId xmlns="" xmlns:a16="http://schemas.microsoft.com/office/drawing/2014/main" id="{89EA2570-D5B6-41CB-96C2-FFC9944668E5}"/>
               </a:ext>
             </a:extLst>
           </p:cNvPr>
@@ -281,7 +282,7 @@
           <p:cNvPr id="5" name="Slide Number Placeholder 4">
             <a:extLst>
               <a:ext uri="{FF2B5EF4-FFF2-40B4-BE49-F238E27FC236}">
-                <a16:creationId xmlns:a16="http://schemas.microsoft.com/office/drawing/2014/main" xmlns="" id="{15C31B37-7A69-4C30-9B63-29F8242FC246}"/>
+                <a16:creationId xmlns="" xmlns:a16="http://schemas.microsoft.com/office/drawing/2014/main" id="{15C31B37-7A69-4C30-9B63-29F8242FC246}"/>
               </a:ext>
             </a:extLst>
           </p:cNvPr>
@@ -321,7 +322,7 @@
     </p:spTree>
     <p:extLst>
       <p:ext uri="{BB962C8B-B14F-4D97-AF65-F5344CB8AC3E}">
-        <p14:creationId xmlns:p14="http://schemas.microsoft.com/office/powerpoint/2010/main" xmlns="" val="2413100067"/>
+        <p14:creationId xmlns="" xmlns:p14="http://schemas.microsoft.com/office/powerpoint/2010/main" val="2413100067"/>
       </p:ext>
     </p:extLst>
   </p:cSld>
@@ -412,7 +413,7 @@
             <a:fld id="{FA798B7E-6604-4F74-86DB-B30627D56244}" type="datetimeFigureOut">
               <a:rPr lang="en-US" smtClean="0"/>
               <a:pPr/>
-              <a:t>4/26/2020</a:t>
+              <a:t>5/3/2020</a:t>
             </a:fld>
             <a:endParaRPr lang="en-US" dirty="0"/>
           </a:p>
@@ -580,7 +581,7 @@
     </p:spTree>
     <p:extLst>
       <p:ext uri="{BB962C8B-B14F-4D97-AF65-F5344CB8AC3E}">
-        <p14:creationId xmlns:p14="http://schemas.microsoft.com/office/powerpoint/2010/main" xmlns="" val="2075933273"/>
+        <p14:creationId xmlns="" xmlns:p14="http://schemas.microsoft.com/office/powerpoint/2010/main" val="2075933273"/>
       </p:ext>
     </p:extLst>
   </p:cSld>
@@ -702,7 +703,7 @@
           <p:cNvPr id="2" name="Title 1">
             <a:extLst>
               <a:ext uri="{FF2B5EF4-FFF2-40B4-BE49-F238E27FC236}">
-                <a16:creationId xmlns:a16="http://schemas.microsoft.com/office/drawing/2014/main" xmlns="" id="{E5798B13-3B32-4354-B2B5-3165F2F6E65F}"/>
+                <a16:creationId xmlns="" xmlns:a16="http://schemas.microsoft.com/office/drawing/2014/main" id="{E5798B13-3B32-4354-B2B5-3165F2F6E65F}"/>
               </a:ext>
             </a:extLst>
           </p:cNvPr>
@@ -745,7 +746,7 @@
           <p:cNvPr id="4" name="Text Placeholder 3">
             <a:extLst>
               <a:ext uri="{FF2B5EF4-FFF2-40B4-BE49-F238E27FC236}">
-                <a16:creationId xmlns:a16="http://schemas.microsoft.com/office/drawing/2014/main" xmlns="" id="{16BB88CF-DF4F-4857-8602-72BCF5DDCDA1}"/>
+                <a16:creationId xmlns="" xmlns:a16="http://schemas.microsoft.com/office/drawing/2014/main" id="{16BB88CF-DF4F-4857-8602-72BCF5DDCDA1}"/>
               </a:ext>
             </a:extLst>
           </p:cNvPr>
@@ -816,7 +817,7 @@
           <p:cNvPr id="12" name="Straight Connector 11">
             <a:extLst>
               <a:ext uri="{FF2B5EF4-FFF2-40B4-BE49-F238E27FC236}">
-                <a16:creationId xmlns:a16="http://schemas.microsoft.com/office/drawing/2014/main" xmlns="" id="{A7EEBB7C-1679-4665-8688-1FA973E73DC1}"/>
+                <a16:creationId xmlns="" xmlns:a16="http://schemas.microsoft.com/office/drawing/2014/main" id="{A7EEBB7C-1679-4665-8688-1FA973E73DC1}"/>
               </a:ext>
             </a:extLst>
           </p:cNvPr>
@@ -868,7 +869,7 @@
           <p:cNvPr id="7" name="Rectangle 6">
             <a:extLst>
               <a:ext uri="{FF2B5EF4-FFF2-40B4-BE49-F238E27FC236}">
-                <a16:creationId xmlns:a16="http://schemas.microsoft.com/office/drawing/2014/main" xmlns="" id="{F1E3214F-3A93-4A1C-920D-D86BE35A58FB}"/>
+                <a16:creationId xmlns="" xmlns:a16="http://schemas.microsoft.com/office/drawing/2014/main" id="{F1E3214F-3A93-4A1C-920D-D86BE35A58FB}"/>
               </a:ext>
             </a:extLst>
           </p:cNvPr>
@@ -923,7 +924,7 @@
           <p:cNvPr id="3" name="Slide Number Placeholder 2">
             <a:extLst>
               <a:ext uri="{FF2B5EF4-FFF2-40B4-BE49-F238E27FC236}">
-                <a16:creationId xmlns:a16="http://schemas.microsoft.com/office/drawing/2014/main" xmlns="" id="{213E97E5-C83B-444A-8C07-35D699E7C342}"/>
+                <a16:creationId xmlns="" xmlns:a16="http://schemas.microsoft.com/office/drawing/2014/main" id="{213E97E5-C83B-444A-8C07-35D699E7C342}"/>
               </a:ext>
             </a:extLst>
           </p:cNvPr>
@@ -955,7 +956,7 @@
     </p:spTree>
     <p:extLst>
       <p:ext uri="{BB962C8B-B14F-4D97-AF65-F5344CB8AC3E}">
-        <p14:creationId xmlns:p14="http://schemas.microsoft.com/office/powerpoint/2010/main" xmlns="" val="2226532245"/>
+        <p14:creationId xmlns="" xmlns:p14="http://schemas.microsoft.com/office/powerpoint/2010/main" val="2226532245"/>
       </p:ext>
     </p:extLst>
   </p:cSld>
@@ -987,7 +988,7 @@
           <p:cNvPr id="2" name="Title 1">
             <a:extLst>
               <a:ext uri="{FF2B5EF4-FFF2-40B4-BE49-F238E27FC236}">
-                <a16:creationId xmlns:a16="http://schemas.microsoft.com/office/drawing/2014/main" xmlns="" id="{0D1AB651-5612-4E6A-9B35-A555D082EC2F}"/>
+                <a16:creationId xmlns="" xmlns:a16="http://schemas.microsoft.com/office/drawing/2014/main" id="{0D1AB651-5612-4E6A-9B35-A555D082EC2F}"/>
               </a:ext>
             </a:extLst>
           </p:cNvPr>
@@ -1016,7 +1017,7 @@
           <p:cNvPr id="3" name="Content Placeholder 2">
             <a:extLst>
               <a:ext uri="{FF2B5EF4-FFF2-40B4-BE49-F238E27FC236}">
-                <a16:creationId xmlns:a16="http://schemas.microsoft.com/office/drawing/2014/main" xmlns="" id="{881389A2-D77B-40CA-AD1E-0178AEFAD15A}"/>
+                <a16:creationId xmlns="" xmlns:a16="http://schemas.microsoft.com/office/drawing/2014/main" id="{881389A2-D77B-40CA-AD1E-0178AEFAD15A}"/>
               </a:ext>
             </a:extLst>
           </p:cNvPr>
@@ -1097,7 +1098,7 @@
           <p:cNvPr id="4" name="Content Placeholder 3">
             <a:extLst>
               <a:ext uri="{FF2B5EF4-FFF2-40B4-BE49-F238E27FC236}">
-                <a16:creationId xmlns:a16="http://schemas.microsoft.com/office/drawing/2014/main" xmlns="" id="{A1DCA993-CBEA-48C5-BD35-50ABDFF64065}"/>
+                <a16:creationId xmlns="" xmlns:a16="http://schemas.microsoft.com/office/drawing/2014/main" id="{A1DCA993-CBEA-48C5-BD35-50ABDFF64065}"/>
               </a:ext>
             </a:extLst>
           </p:cNvPr>
@@ -1178,7 +1179,7 @@
           <p:cNvPr id="5" name="Slide Number Placeholder 4">
             <a:extLst>
               <a:ext uri="{FF2B5EF4-FFF2-40B4-BE49-F238E27FC236}">
-                <a16:creationId xmlns:a16="http://schemas.microsoft.com/office/drawing/2014/main" xmlns="" id="{B88ED8E0-95EC-469F-9B7E-562FBDFDE6CC}"/>
+                <a16:creationId xmlns="" xmlns:a16="http://schemas.microsoft.com/office/drawing/2014/main" id="{B88ED8E0-95EC-469F-9B7E-562FBDFDE6CC}"/>
               </a:ext>
             </a:extLst>
           </p:cNvPr>
@@ -1210,7 +1211,7 @@
     </p:spTree>
     <p:extLst>
       <p:ext uri="{BB962C8B-B14F-4D97-AF65-F5344CB8AC3E}">
-        <p14:creationId xmlns:p14="http://schemas.microsoft.com/office/powerpoint/2010/main" xmlns="" val="646344805"/>
+        <p14:creationId xmlns="" xmlns:p14="http://schemas.microsoft.com/office/powerpoint/2010/main" val="646344805"/>
       </p:ext>
     </p:extLst>
   </p:cSld>
@@ -1242,7 +1243,7 @@
           <p:cNvPr id="2" name="Title 1">
             <a:extLst>
               <a:ext uri="{FF2B5EF4-FFF2-40B4-BE49-F238E27FC236}">
-                <a16:creationId xmlns:a16="http://schemas.microsoft.com/office/drawing/2014/main" xmlns="" id="{EF776F88-2A37-410D-A685-E455AF3D07B4}"/>
+                <a16:creationId xmlns="" xmlns:a16="http://schemas.microsoft.com/office/drawing/2014/main" id="{EF776F88-2A37-410D-A685-E455AF3D07B4}"/>
               </a:ext>
             </a:extLst>
           </p:cNvPr>
@@ -1276,7 +1277,7 @@
           <p:cNvPr id="3" name="Text Placeholder 2">
             <a:extLst>
               <a:ext uri="{FF2B5EF4-FFF2-40B4-BE49-F238E27FC236}">
-                <a16:creationId xmlns:a16="http://schemas.microsoft.com/office/drawing/2014/main" xmlns="" id="{6C764B46-B015-44F7-8DC0-AFB8D275E486}"/>
+                <a16:creationId xmlns="" xmlns:a16="http://schemas.microsoft.com/office/drawing/2014/main" id="{6C764B46-B015-44F7-8DC0-AFB8D275E486}"/>
               </a:ext>
             </a:extLst>
           </p:cNvPr>
@@ -1347,7 +1348,7 @@
           <p:cNvPr id="4" name="Content Placeholder 3">
             <a:extLst>
               <a:ext uri="{FF2B5EF4-FFF2-40B4-BE49-F238E27FC236}">
-                <a16:creationId xmlns:a16="http://schemas.microsoft.com/office/drawing/2014/main" xmlns="" id="{2D3C8232-2077-497A-9142-B787E2B03A73}"/>
+                <a16:creationId xmlns="" xmlns:a16="http://schemas.microsoft.com/office/drawing/2014/main" id="{2D3C8232-2077-497A-9142-B787E2B03A73}"/>
               </a:ext>
             </a:extLst>
           </p:cNvPr>
@@ -1428,7 +1429,7 @@
           <p:cNvPr id="5" name="Text Placeholder 4">
             <a:extLst>
               <a:ext uri="{FF2B5EF4-FFF2-40B4-BE49-F238E27FC236}">
-                <a16:creationId xmlns:a16="http://schemas.microsoft.com/office/drawing/2014/main" xmlns="" id="{AAF6077C-D913-4FD0-B6E0-6D70BEFD40E6}"/>
+                <a16:creationId xmlns="" xmlns:a16="http://schemas.microsoft.com/office/drawing/2014/main" id="{AAF6077C-D913-4FD0-B6E0-6D70BEFD40E6}"/>
               </a:ext>
             </a:extLst>
           </p:cNvPr>
@@ -1499,7 +1500,7 @@
           <p:cNvPr id="6" name="Content Placeholder 5">
             <a:extLst>
               <a:ext uri="{FF2B5EF4-FFF2-40B4-BE49-F238E27FC236}">
-                <a16:creationId xmlns:a16="http://schemas.microsoft.com/office/drawing/2014/main" xmlns="" id="{43905DBB-3AA9-4435-AC97-732293FDE7EF}"/>
+                <a16:creationId xmlns="" xmlns:a16="http://schemas.microsoft.com/office/drawing/2014/main" id="{43905DBB-3AA9-4435-AC97-732293FDE7EF}"/>
               </a:ext>
             </a:extLst>
           </p:cNvPr>
@@ -1580,7 +1581,7 @@
           <p:cNvPr id="7" name="Slide Number Placeholder 6">
             <a:extLst>
               <a:ext uri="{FF2B5EF4-FFF2-40B4-BE49-F238E27FC236}">
-                <a16:creationId xmlns:a16="http://schemas.microsoft.com/office/drawing/2014/main" xmlns="" id="{1954C901-FCAF-4DFB-A621-6A969641CA73}"/>
+                <a16:creationId xmlns="" xmlns:a16="http://schemas.microsoft.com/office/drawing/2014/main" id="{1954C901-FCAF-4DFB-A621-6A969641CA73}"/>
               </a:ext>
             </a:extLst>
           </p:cNvPr>
@@ -1612,7 +1613,7 @@
     </p:spTree>
     <p:extLst>
       <p:ext uri="{BB962C8B-B14F-4D97-AF65-F5344CB8AC3E}">
-        <p14:creationId xmlns:p14="http://schemas.microsoft.com/office/powerpoint/2010/main" xmlns="" val="2292145525"/>
+        <p14:creationId xmlns="" xmlns:p14="http://schemas.microsoft.com/office/powerpoint/2010/main" val="2292145525"/>
       </p:ext>
     </p:extLst>
   </p:cSld>
@@ -1644,7 +1645,7 @@
           <p:cNvPr id="2" name="Title 1">
             <a:extLst>
               <a:ext uri="{FF2B5EF4-FFF2-40B4-BE49-F238E27FC236}">
-                <a16:creationId xmlns:a16="http://schemas.microsoft.com/office/drawing/2014/main" xmlns="" id="{99AF2623-2255-4BBA-9577-B3A3FD2AE8E8}"/>
+                <a16:creationId xmlns="" xmlns:a16="http://schemas.microsoft.com/office/drawing/2014/main" id="{99AF2623-2255-4BBA-9577-B3A3FD2AE8E8}"/>
               </a:ext>
             </a:extLst>
           </p:cNvPr>
@@ -1673,7 +1674,7 @@
           <p:cNvPr id="3" name="Slide Number Placeholder 2">
             <a:extLst>
               <a:ext uri="{FF2B5EF4-FFF2-40B4-BE49-F238E27FC236}">
-                <a16:creationId xmlns:a16="http://schemas.microsoft.com/office/drawing/2014/main" xmlns="" id="{5259F0F0-5E7C-4FC9-8E90-6ADCD7A714B6}"/>
+                <a16:creationId xmlns="" xmlns:a16="http://schemas.microsoft.com/office/drawing/2014/main" id="{5259F0F0-5E7C-4FC9-8E90-6ADCD7A714B6}"/>
               </a:ext>
             </a:extLst>
           </p:cNvPr>
@@ -1705,7 +1706,7 @@
     </p:spTree>
     <p:extLst>
       <p:ext uri="{BB962C8B-B14F-4D97-AF65-F5344CB8AC3E}">
-        <p14:creationId xmlns:p14="http://schemas.microsoft.com/office/powerpoint/2010/main" xmlns="" val="3105532259"/>
+        <p14:creationId xmlns="" xmlns:p14="http://schemas.microsoft.com/office/powerpoint/2010/main" val="3105532259"/>
       </p:ext>
     </p:extLst>
   </p:cSld>
@@ -1737,7 +1738,7 @@
           <p:cNvPr id="2" name="Slide Number Placeholder 1">
             <a:extLst>
               <a:ext uri="{FF2B5EF4-FFF2-40B4-BE49-F238E27FC236}">
-                <a16:creationId xmlns:a16="http://schemas.microsoft.com/office/drawing/2014/main" xmlns="" id="{0A9D3FFB-BE14-4D90-A515-10EDD1BEE6F1}"/>
+                <a16:creationId xmlns="" xmlns:a16="http://schemas.microsoft.com/office/drawing/2014/main" id="{0A9D3FFB-BE14-4D90-A515-10EDD1BEE6F1}"/>
               </a:ext>
             </a:extLst>
           </p:cNvPr>
@@ -1769,7 +1770,7 @@
     </p:spTree>
     <p:extLst>
       <p:ext uri="{BB962C8B-B14F-4D97-AF65-F5344CB8AC3E}">
-        <p14:creationId xmlns:p14="http://schemas.microsoft.com/office/powerpoint/2010/main" xmlns="" val="3627673970"/>
+        <p14:creationId xmlns="" xmlns:p14="http://schemas.microsoft.com/office/powerpoint/2010/main" val="3627673970"/>
       </p:ext>
     </p:extLst>
   </p:cSld>
@@ -1801,7 +1802,7 @@
           <p:cNvPr id="2" name="Title 1">
             <a:extLst>
               <a:ext uri="{FF2B5EF4-FFF2-40B4-BE49-F238E27FC236}">
-                <a16:creationId xmlns:a16="http://schemas.microsoft.com/office/drawing/2014/main" xmlns="" id="{A2451E51-BE82-4B1B-9CB6-89C26464DBE2}"/>
+                <a16:creationId xmlns="" xmlns:a16="http://schemas.microsoft.com/office/drawing/2014/main" id="{A2451E51-BE82-4B1B-9CB6-89C26464DBE2}"/>
               </a:ext>
             </a:extLst>
           </p:cNvPr>
@@ -1839,7 +1840,7 @@
           <p:cNvPr id="3" name="Content Placeholder 2">
             <a:extLst>
               <a:ext uri="{FF2B5EF4-FFF2-40B4-BE49-F238E27FC236}">
-                <a16:creationId xmlns:a16="http://schemas.microsoft.com/office/drawing/2014/main" xmlns="" id="{04CCBF8C-3CF7-47E6-9AB0-15584178B449}"/>
+                <a16:creationId xmlns="" xmlns:a16="http://schemas.microsoft.com/office/drawing/2014/main" id="{04CCBF8C-3CF7-47E6-9AB0-15584178B449}"/>
               </a:ext>
             </a:extLst>
           </p:cNvPr>
@@ -1930,7 +1931,7 @@
           <p:cNvPr id="4" name="Text Placeholder 3">
             <a:extLst>
               <a:ext uri="{FF2B5EF4-FFF2-40B4-BE49-F238E27FC236}">
-                <a16:creationId xmlns:a16="http://schemas.microsoft.com/office/drawing/2014/main" xmlns="" id="{3D07DA3C-0298-45CF-AFC3-41031C0763E3}"/>
+                <a16:creationId xmlns="" xmlns:a16="http://schemas.microsoft.com/office/drawing/2014/main" id="{3D07DA3C-0298-45CF-AFC3-41031C0763E3}"/>
               </a:ext>
             </a:extLst>
           </p:cNvPr>
@@ -2001,7 +2002,7 @@
           <p:cNvPr id="5" name="Slide Number Placeholder 4">
             <a:extLst>
               <a:ext uri="{FF2B5EF4-FFF2-40B4-BE49-F238E27FC236}">
-                <a16:creationId xmlns:a16="http://schemas.microsoft.com/office/drawing/2014/main" xmlns="" id="{F7C4FF87-D01E-416B-9EF8-E107C4EDDC42}"/>
+                <a16:creationId xmlns="" xmlns:a16="http://schemas.microsoft.com/office/drawing/2014/main" id="{F7C4FF87-D01E-416B-9EF8-E107C4EDDC42}"/>
               </a:ext>
             </a:extLst>
           </p:cNvPr>
@@ -2033,7 +2034,7 @@
     </p:spTree>
     <p:extLst>
       <p:ext uri="{BB962C8B-B14F-4D97-AF65-F5344CB8AC3E}">
-        <p14:creationId xmlns:p14="http://schemas.microsoft.com/office/powerpoint/2010/main" xmlns="" val="398533459"/>
+        <p14:creationId xmlns="" xmlns:p14="http://schemas.microsoft.com/office/powerpoint/2010/main" val="398533459"/>
       </p:ext>
     </p:extLst>
   </p:cSld>
@@ -2065,7 +2066,7 @@
           <p:cNvPr id="2" name="Title 1">
             <a:extLst>
               <a:ext uri="{FF2B5EF4-FFF2-40B4-BE49-F238E27FC236}">
-                <a16:creationId xmlns:a16="http://schemas.microsoft.com/office/drawing/2014/main" xmlns="" id="{E5798B13-3B32-4354-B2B5-3165F2F6E65F}"/>
+                <a16:creationId xmlns="" xmlns:a16="http://schemas.microsoft.com/office/drawing/2014/main" id="{E5798B13-3B32-4354-B2B5-3165F2F6E65F}"/>
               </a:ext>
             </a:extLst>
           </p:cNvPr>
@@ -2108,7 +2109,7 @@
           <p:cNvPr id="4" name="Text Placeholder 3">
             <a:extLst>
               <a:ext uri="{FF2B5EF4-FFF2-40B4-BE49-F238E27FC236}">
-                <a16:creationId xmlns:a16="http://schemas.microsoft.com/office/drawing/2014/main" xmlns="" id="{16BB88CF-DF4F-4857-8602-72BCF5DDCDA1}"/>
+                <a16:creationId xmlns="" xmlns:a16="http://schemas.microsoft.com/office/drawing/2014/main" id="{16BB88CF-DF4F-4857-8602-72BCF5DDCDA1}"/>
               </a:ext>
             </a:extLst>
           </p:cNvPr>
@@ -2179,7 +2180,7 @@
           <p:cNvPr id="12" name="Straight Connector 11">
             <a:extLst>
               <a:ext uri="{FF2B5EF4-FFF2-40B4-BE49-F238E27FC236}">
-                <a16:creationId xmlns:a16="http://schemas.microsoft.com/office/drawing/2014/main" xmlns="" id="{A7EEBB7C-1679-4665-8688-1FA973E73DC1}"/>
+                <a16:creationId xmlns="" xmlns:a16="http://schemas.microsoft.com/office/drawing/2014/main" id="{A7EEBB7C-1679-4665-8688-1FA973E73DC1}"/>
               </a:ext>
             </a:extLst>
           </p:cNvPr>
@@ -2231,7 +2232,7 @@
           <p:cNvPr id="7" name="Rectangle 6">
             <a:extLst>
               <a:ext uri="{FF2B5EF4-FFF2-40B4-BE49-F238E27FC236}">
-                <a16:creationId xmlns:a16="http://schemas.microsoft.com/office/drawing/2014/main" xmlns="" id="{F1E3214F-3A93-4A1C-920D-D86BE35A58FB}"/>
+                <a16:creationId xmlns="" xmlns:a16="http://schemas.microsoft.com/office/drawing/2014/main" id="{F1E3214F-3A93-4A1C-920D-D86BE35A58FB}"/>
               </a:ext>
             </a:extLst>
           </p:cNvPr>
@@ -2286,7 +2287,7 @@
           <p:cNvPr id="3" name="Slide Number Placeholder 2">
             <a:extLst>
               <a:ext uri="{FF2B5EF4-FFF2-40B4-BE49-F238E27FC236}">
-                <a16:creationId xmlns:a16="http://schemas.microsoft.com/office/drawing/2014/main" xmlns="" id="{213E97E5-C83B-444A-8C07-35D699E7C342}"/>
+                <a16:creationId xmlns="" xmlns:a16="http://schemas.microsoft.com/office/drawing/2014/main" id="{213E97E5-C83B-444A-8C07-35D699E7C342}"/>
               </a:ext>
             </a:extLst>
           </p:cNvPr>
@@ -2320,7 +2321,7 @@
           <p:cNvPr id="8" name="Picture Placeholder 2">
             <a:extLst>
               <a:ext uri="{FF2B5EF4-FFF2-40B4-BE49-F238E27FC236}">
-                <a16:creationId xmlns:a16="http://schemas.microsoft.com/office/drawing/2014/main" xmlns="" id="{2641ECAC-0557-4843-8433-067E4414E2F5}"/>
+                <a16:creationId xmlns="" xmlns:a16="http://schemas.microsoft.com/office/drawing/2014/main" id="{2641ECAC-0557-4843-8433-067E4414E2F5}"/>
               </a:ext>
             </a:extLst>
           </p:cNvPr>
@@ -2396,7 +2397,7 @@
     </p:spTree>
     <p:extLst>
       <p:ext uri="{BB962C8B-B14F-4D97-AF65-F5344CB8AC3E}">
-        <p14:creationId xmlns:p14="http://schemas.microsoft.com/office/powerpoint/2010/main" xmlns="" val="3394383312"/>
+        <p14:creationId xmlns="" xmlns:p14="http://schemas.microsoft.com/office/powerpoint/2010/main" val="3394383312"/>
       </p:ext>
     </p:extLst>
   </p:cSld>
@@ -2439,7 +2440,7 @@
           <p:cNvPr id="2" name="Title 1">
             <a:extLst>
               <a:ext uri="{FF2B5EF4-FFF2-40B4-BE49-F238E27FC236}">
-                <a16:creationId xmlns:a16="http://schemas.microsoft.com/office/drawing/2014/main" xmlns="" id="{FE91AD08-4E28-4191-9B62-EAD61608E5CF}"/>
+                <a16:creationId xmlns="" xmlns:a16="http://schemas.microsoft.com/office/drawing/2014/main" id="{FE91AD08-4E28-4191-9B62-EAD61608E5CF}"/>
               </a:ext>
             </a:extLst>
           </p:cNvPr>
@@ -2487,7 +2488,7 @@
           <p:cNvPr id="3" name="Content Placeholder 2">
             <a:extLst>
               <a:ext uri="{FF2B5EF4-FFF2-40B4-BE49-F238E27FC236}">
-                <a16:creationId xmlns:a16="http://schemas.microsoft.com/office/drawing/2014/main" xmlns="" id="{90BF853D-76DB-46F3-AF6C-1E77C8E06AA9}"/>
+                <a16:creationId xmlns="" xmlns:a16="http://schemas.microsoft.com/office/drawing/2014/main" id="{90BF853D-76DB-46F3-AF6C-1E77C8E06AA9}"/>
               </a:ext>
             </a:extLst>
           </p:cNvPr>
@@ -2568,7 +2569,7 @@
           <p:cNvPr id="4" name="Slide Number Placeholder 3">
             <a:extLst>
               <a:ext uri="{FF2B5EF4-FFF2-40B4-BE49-F238E27FC236}">
-                <a16:creationId xmlns:a16="http://schemas.microsoft.com/office/drawing/2014/main" xmlns="" id="{0660D61A-B9FD-4DFF-AC42-4069DAFE238C}"/>
+                <a16:creationId xmlns="" xmlns:a16="http://schemas.microsoft.com/office/drawing/2014/main" id="{0660D61A-B9FD-4DFF-AC42-4069DAFE238C}"/>
               </a:ext>
             </a:extLst>
           </p:cNvPr>
@@ -2600,7 +2601,7 @@
     </p:spTree>
     <p:extLst>
       <p:ext uri="{BB962C8B-B14F-4D97-AF65-F5344CB8AC3E}">
-        <p14:creationId xmlns:p14="http://schemas.microsoft.com/office/powerpoint/2010/main" xmlns="" val="3839236654"/>
+        <p14:creationId xmlns="" xmlns:p14="http://schemas.microsoft.com/office/powerpoint/2010/main" val="3839236654"/>
       </p:ext>
     </p:extLst>
   </p:cSld>
@@ -2643,7 +2644,7 @@
           <p:cNvPr id="2" name="Title 1">
             <a:extLst>
               <a:ext uri="{FF2B5EF4-FFF2-40B4-BE49-F238E27FC236}">
-                <a16:creationId xmlns:a16="http://schemas.microsoft.com/office/drawing/2014/main" xmlns="" id="{FE91AD08-4E28-4191-9B62-EAD61608E5CF}"/>
+                <a16:creationId xmlns="" xmlns:a16="http://schemas.microsoft.com/office/drawing/2014/main" id="{FE91AD08-4E28-4191-9B62-EAD61608E5CF}"/>
               </a:ext>
             </a:extLst>
           </p:cNvPr>
@@ -2693,7 +2694,7 @@
           <p:cNvPr id="3" name="Content Placeholder 2">
             <a:extLst>
               <a:ext uri="{FF2B5EF4-FFF2-40B4-BE49-F238E27FC236}">
-                <a16:creationId xmlns:a16="http://schemas.microsoft.com/office/drawing/2014/main" xmlns="" id="{90BF853D-76DB-46F3-AF6C-1E77C8E06AA9}"/>
+                <a16:creationId xmlns="" xmlns:a16="http://schemas.microsoft.com/office/drawing/2014/main" id="{90BF853D-76DB-46F3-AF6C-1E77C8E06AA9}"/>
               </a:ext>
             </a:extLst>
           </p:cNvPr>
@@ -2774,7 +2775,7 @@
           <p:cNvPr id="4" name="Slide Number Placeholder 3">
             <a:extLst>
               <a:ext uri="{FF2B5EF4-FFF2-40B4-BE49-F238E27FC236}">
-                <a16:creationId xmlns:a16="http://schemas.microsoft.com/office/drawing/2014/main" xmlns="" id="{0660D61A-B9FD-4DFF-AC42-4069DAFE238C}"/>
+                <a16:creationId xmlns="" xmlns:a16="http://schemas.microsoft.com/office/drawing/2014/main" id="{0660D61A-B9FD-4DFF-AC42-4069DAFE238C}"/>
               </a:ext>
             </a:extLst>
           </p:cNvPr>
@@ -2806,7 +2807,7 @@
     </p:spTree>
     <p:extLst>
       <p:ext uri="{BB962C8B-B14F-4D97-AF65-F5344CB8AC3E}">
-        <p14:creationId xmlns:p14="http://schemas.microsoft.com/office/powerpoint/2010/main" xmlns="" val="1594571051"/>
+        <p14:creationId xmlns="" xmlns:p14="http://schemas.microsoft.com/office/powerpoint/2010/main" val="1594571051"/>
       </p:ext>
     </p:extLst>
   </p:cSld>
@@ -2838,7 +2839,7 @@
           <p:cNvPr id="7" name="Picture Placeholder 2">
             <a:extLst>
               <a:ext uri="{FF2B5EF4-FFF2-40B4-BE49-F238E27FC236}">
-                <a16:creationId xmlns:a16="http://schemas.microsoft.com/office/drawing/2014/main" xmlns="" id="{6D3C5ED2-B01D-4104-B193-BC78D76A4646}"/>
+                <a16:creationId xmlns="" xmlns:a16="http://schemas.microsoft.com/office/drawing/2014/main" id="{6D3C5ED2-B01D-4104-B193-BC78D76A4646}"/>
               </a:ext>
             </a:extLst>
           </p:cNvPr>
@@ -2911,7 +2912,7 @@
           <p:cNvPr id="2" name="Title 1">
             <a:extLst>
               <a:ext uri="{FF2B5EF4-FFF2-40B4-BE49-F238E27FC236}">
-                <a16:creationId xmlns:a16="http://schemas.microsoft.com/office/drawing/2014/main" xmlns="" id="{FE91AD08-4E28-4191-9B62-EAD61608E5CF}"/>
+                <a16:creationId xmlns="" xmlns:a16="http://schemas.microsoft.com/office/drawing/2014/main" id="{FE91AD08-4E28-4191-9B62-EAD61608E5CF}"/>
               </a:ext>
             </a:extLst>
           </p:cNvPr>
@@ -2958,7 +2959,7 @@
           <p:cNvPr id="3" name="Content Placeholder 2">
             <a:extLst>
               <a:ext uri="{FF2B5EF4-FFF2-40B4-BE49-F238E27FC236}">
-                <a16:creationId xmlns:a16="http://schemas.microsoft.com/office/drawing/2014/main" xmlns="" id="{90BF853D-76DB-46F3-AF6C-1E77C8E06AA9}"/>
+                <a16:creationId xmlns="" xmlns:a16="http://schemas.microsoft.com/office/drawing/2014/main" id="{90BF853D-76DB-46F3-AF6C-1E77C8E06AA9}"/>
               </a:ext>
             </a:extLst>
           </p:cNvPr>
@@ -3039,7 +3040,7 @@
           <p:cNvPr id="4" name="Slide Number Placeholder 3">
             <a:extLst>
               <a:ext uri="{FF2B5EF4-FFF2-40B4-BE49-F238E27FC236}">
-                <a16:creationId xmlns:a16="http://schemas.microsoft.com/office/drawing/2014/main" xmlns="" id="{0660D61A-B9FD-4DFF-AC42-4069DAFE238C}"/>
+                <a16:creationId xmlns="" xmlns:a16="http://schemas.microsoft.com/office/drawing/2014/main" id="{0660D61A-B9FD-4DFF-AC42-4069DAFE238C}"/>
               </a:ext>
             </a:extLst>
           </p:cNvPr>
@@ -3076,7 +3077,7 @@
     </p:spTree>
     <p:extLst>
       <p:ext uri="{BB962C8B-B14F-4D97-AF65-F5344CB8AC3E}">
-        <p14:creationId xmlns:p14="http://schemas.microsoft.com/office/powerpoint/2010/main" xmlns="" val="1797904098"/>
+        <p14:creationId xmlns="" xmlns:p14="http://schemas.microsoft.com/office/powerpoint/2010/main" val="1797904098"/>
       </p:ext>
     </p:extLst>
   </p:cSld>
@@ -3108,7 +3109,7 @@
           <p:cNvPr id="2" name="Title 1">
             <a:extLst>
               <a:ext uri="{FF2B5EF4-FFF2-40B4-BE49-F238E27FC236}">
-                <a16:creationId xmlns:a16="http://schemas.microsoft.com/office/drawing/2014/main" xmlns="" id="{FE91AD08-4E28-4191-9B62-EAD61608E5CF}"/>
+                <a16:creationId xmlns="" xmlns:a16="http://schemas.microsoft.com/office/drawing/2014/main" id="{FE91AD08-4E28-4191-9B62-EAD61608E5CF}"/>
               </a:ext>
             </a:extLst>
           </p:cNvPr>
@@ -3168,7 +3169,7 @@
           <p:cNvPr id="3" name="Content Placeholder 2">
             <a:extLst>
               <a:ext uri="{FF2B5EF4-FFF2-40B4-BE49-F238E27FC236}">
-                <a16:creationId xmlns:a16="http://schemas.microsoft.com/office/drawing/2014/main" xmlns="" id="{90BF853D-76DB-46F3-AF6C-1E77C8E06AA9}"/>
+                <a16:creationId xmlns="" xmlns:a16="http://schemas.microsoft.com/office/drawing/2014/main" id="{90BF853D-76DB-46F3-AF6C-1E77C8E06AA9}"/>
               </a:ext>
             </a:extLst>
           </p:cNvPr>
@@ -3249,7 +3250,7 @@
           <p:cNvPr id="14" name="Slide Number Placeholder 13">
             <a:extLst>
               <a:ext uri="{FF2B5EF4-FFF2-40B4-BE49-F238E27FC236}">
-                <a16:creationId xmlns:a16="http://schemas.microsoft.com/office/drawing/2014/main" xmlns="" id="{7746CAFB-2B99-470B-B55B-9BF378E3A04B}"/>
+                <a16:creationId xmlns="" xmlns:a16="http://schemas.microsoft.com/office/drawing/2014/main" id="{7746CAFB-2B99-470B-B55B-9BF378E3A04B}"/>
               </a:ext>
             </a:extLst>
           </p:cNvPr>
@@ -3281,7 +3282,7 @@
     </p:spTree>
     <p:extLst>
       <p:ext uri="{BB962C8B-B14F-4D97-AF65-F5344CB8AC3E}">
-        <p14:creationId xmlns:p14="http://schemas.microsoft.com/office/powerpoint/2010/main" xmlns="" val="1160496352"/>
+        <p14:creationId xmlns="" xmlns:p14="http://schemas.microsoft.com/office/powerpoint/2010/main" val="1160496352"/>
       </p:ext>
     </p:extLst>
   </p:cSld>
@@ -3313,7 +3314,7 @@
           <p:cNvPr id="17" name="Title 16">
             <a:extLst>
               <a:ext uri="{FF2B5EF4-FFF2-40B4-BE49-F238E27FC236}">
-                <a16:creationId xmlns:a16="http://schemas.microsoft.com/office/drawing/2014/main" xmlns="" id="{65237DA4-112F-40B2-8C8C-EB23506D9C45}"/>
+                <a16:creationId xmlns="" xmlns:a16="http://schemas.microsoft.com/office/drawing/2014/main" id="{65237DA4-112F-40B2-8C8C-EB23506D9C45}"/>
               </a:ext>
             </a:extLst>
           </p:cNvPr>
@@ -3372,7 +3373,7 @@
           <p:cNvPr id="3" name="Content Placeholder 2">
             <a:extLst>
               <a:ext uri="{FF2B5EF4-FFF2-40B4-BE49-F238E27FC236}">
-                <a16:creationId xmlns:a16="http://schemas.microsoft.com/office/drawing/2014/main" xmlns="" id="{90BF853D-76DB-46F3-AF6C-1E77C8E06AA9}"/>
+                <a16:creationId xmlns="" xmlns:a16="http://schemas.microsoft.com/office/drawing/2014/main" id="{90BF853D-76DB-46F3-AF6C-1E77C8E06AA9}"/>
               </a:ext>
             </a:extLst>
           </p:cNvPr>
@@ -3435,7 +3436,7 @@
           <p:cNvPr id="14" name="Slide Number Placeholder 13">
             <a:extLst>
               <a:ext uri="{FF2B5EF4-FFF2-40B4-BE49-F238E27FC236}">
-                <a16:creationId xmlns:a16="http://schemas.microsoft.com/office/drawing/2014/main" xmlns="" id="{7746CAFB-2B99-470B-B55B-9BF378E3A04B}"/>
+                <a16:creationId xmlns="" xmlns:a16="http://schemas.microsoft.com/office/drawing/2014/main" id="{7746CAFB-2B99-470B-B55B-9BF378E3A04B}"/>
               </a:ext>
             </a:extLst>
           </p:cNvPr>
@@ -3484,7 +3485,7 @@
     </p:spTree>
     <p:extLst>
       <p:ext uri="{BB962C8B-B14F-4D97-AF65-F5344CB8AC3E}">
-        <p14:creationId xmlns:p14="http://schemas.microsoft.com/office/powerpoint/2010/main" xmlns="" val="364498605"/>
+        <p14:creationId xmlns="" xmlns:p14="http://schemas.microsoft.com/office/powerpoint/2010/main" val="364498605"/>
       </p:ext>
     </p:extLst>
   </p:cSld>
@@ -3516,7 +3517,7 @@
           <p:cNvPr id="4" name="Slide Number Placeholder 3">
             <a:extLst>
               <a:ext uri="{FF2B5EF4-FFF2-40B4-BE49-F238E27FC236}">
-                <a16:creationId xmlns:a16="http://schemas.microsoft.com/office/drawing/2014/main" xmlns="" id="{0660D61A-B9FD-4DFF-AC42-4069DAFE238C}"/>
+                <a16:creationId xmlns="" xmlns:a16="http://schemas.microsoft.com/office/drawing/2014/main" id="{0660D61A-B9FD-4DFF-AC42-4069DAFE238C}"/>
               </a:ext>
             </a:extLst>
           </p:cNvPr>
@@ -3550,7 +3551,7 @@
           <p:cNvPr id="5" name="Content Placeholder 2">
             <a:extLst>
               <a:ext uri="{FF2B5EF4-FFF2-40B4-BE49-F238E27FC236}">
-                <a16:creationId xmlns:a16="http://schemas.microsoft.com/office/drawing/2014/main" xmlns="" id="{D68E6EF2-4B2F-4D0D-9505-CE92872972F7}"/>
+                <a16:creationId xmlns="" xmlns:a16="http://schemas.microsoft.com/office/drawing/2014/main" id="{D68E6EF2-4B2F-4D0D-9505-CE92872972F7}"/>
               </a:ext>
             </a:extLst>
           </p:cNvPr>
@@ -3613,7 +3614,7 @@
           <p:cNvPr id="6" name="Title 1">
             <a:extLst>
               <a:ext uri="{FF2B5EF4-FFF2-40B4-BE49-F238E27FC236}">
-                <a16:creationId xmlns:a16="http://schemas.microsoft.com/office/drawing/2014/main" xmlns="" id="{D91A21B9-BA54-413B-940E-027C32E4D429}"/>
+                <a16:creationId xmlns="" xmlns:a16="http://schemas.microsoft.com/office/drawing/2014/main" id="{D91A21B9-BA54-413B-940E-027C32E4D429}"/>
               </a:ext>
             </a:extLst>
           </p:cNvPr>
@@ -3659,7 +3660,7 @@
     </p:spTree>
     <p:extLst>
       <p:ext uri="{BB962C8B-B14F-4D97-AF65-F5344CB8AC3E}">
-        <p14:creationId xmlns:p14="http://schemas.microsoft.com/office/powerpoint/2010/main" xmlns="" val="3610051244"/>
+        <p14:creationId xmlns="" xmlns:p14="http://schemas.microsoft.com/office/powerpoint/2010/main" val="3610051244"/>
       </p:ext>
     </p:extLst>
   </p:cSld>
@@ -3691,7 +3692,7 @@
           <p:cNvPr id="2" name="Title 1">
             <a:extLst>
               <a:ext uri="{FF2B5EF4-FFF2-40B4-BE49-F238E27FC236}">
-                <a16:creationId xmlns:a16="http://schemas.microsoft.com/office/drawing/2014/main" xmlns="" id="{9722BDA7-8BE9-42D5-ACF1-0F51423A206E}"/>
+                <a16:creationId xmlns="" xmlns:a16="http://schemas.microsoft.com/office/drawing/2014/main" id="{9722BDA7-8BE9-42D5-ACF1-0F51423A206E}"/>
               </a:ext>
             </a:extLst>
           </p:cNvPr>
@@ -3729,7 +3730,7 @@
           <p:cNvPr id="3" name="Text Placeholder 2">
             <a:extLst>
               <a:ext uri="{FF2B5EF4-FFF2-40B4-BE49-F238E27FC236}">
-                <a16:creationId xmlns:a16="http://schemas.microsoft.com/office/drawing/2014/main" xmlns="" id="{71CEF73F-3CCA-4312-8E9C-2B4629DA1F66}"/>
+                <a16:creationId xmlns="" xmlns:a16="http://schemas.microsoft.com/office/drawing/2014/main" id="{71CEF73F-3CCA-4312-8E9C-2B4629DA1F66}"/>
               </a:ext>
             </a:extLst>
           </p:cNvPr>
@@ -3854,7 +3855,7 @@
           <p:cNvPr id="4" name="Slide Number Placeholder 3">
             <a:extLst>
               <a:ext uri="{FF2B5EF4-FFF2-40B4-BE49-F238E27FC236}">
-                <a16:creationId xmlns:a16="http://schemas.microsoft.com/office/drawing/2014/main" xmlns="" id="{293BF716-502C-4821-A3A0-19C2C508EED1}"/>
+                <a16:creationId xmlns="" xmlns:a16="http://schemas.microsoft.com/office/drawing/2014/main" id="{293BF716-502C-4821-A3A0-19C2C508EED1}"/>
               </a:ext>
             </a:extLst>
           </p:cNvPr>
@@ -3886,7 +3887,7 @@
     </p:spTree>
     <p:extLst>
       <p:ext uri="{BB962C8B-B14F-4D97-AF65-F5344CB8AC3E}">
-        <p14:creationId xmlns:p14="http://schemas.microsoft.com/office/powerpoint/2010/main" xmlns="" val="2665983131"/>
+        <p14:creationId xmlns="" xmlns:p14="http://schemas.microsoft.com/office/powerpoint/2010/main" val="2665983131"/>
       </p:ext>
     </p:extLst>
   </p:cSld>
@@ -3929,7 +3930,7 @@
           <p:cNvPr id="5" name="Picture 4">
             <a:extLst>
               <a:ext uri="{FF2B5EF4-FFF2-40B4-BE49-F238E27FC236}">
-                <a16:creationId xmlns:a16="http://schemas.microsoft.com/office/drawing/2014/main" xmlns="" id="{448E4AFE-E166-4B84-B0C8-9205038D8033}"/>
+                <a16:creationId xmlns="" xmlns:a16="http://schemas.microsoft.com/office/drawing/2014/main" id="{448E4AFE-E166-4B84-B0C8-9205038D8033}"/>
               </a:ext>
             </a:extLst>
           </p:cNvPr>
@@ -3942,7 +3943,7 @@
           <a:blip r:embed="rId16" cstate="screen">
             <a:extLst>
               <a:ext uri="{28A0092B-C50C-407E-A947-70E740481C1C}">
-                <a14:useLocalDpi xmlns:a14="http://schemas.microsoft.com/office/drawing/2010/main" xmlns=""/>
+                <a14:useLocalDpi xmlns="" xmlns:a14="http://schemas.microsoft.com/office/drawing/2010/main"/>
               </a:ext>
             </a:extLst>
           </a:blip>
@@ -3965,7 +3966,7 @@
           <p:cNvPr id="2" name="Title Placeholder 1">
             <a:extLst>
               <a:ext uri="{FF2B5EF4-FFF2-40B4-BE49-F238E27FC236}">
-                <a16:creationId xmlns:a16="http://schemas.microsoft.com/office/drawing/2014/main" xmlns="" id="{6C617517-B672-49BA-AC6E-AB66D0639A58}"/>
+                <a16:creationId xmlns="" xmlns:a16="http://schemas.microsoft.com/office/drawing/2014/main" id="{6C617517-B672-49BA-AC6E-AB66D0639A58}"/>
               </a:ext>
             </a:extLst>
           </p:cNvPr>
@@ -4004,7 +4005,7 @@
           <p:cNvPr id="3" name="Text Placeholder 2">
             <a:extLst>
               <a:ext uri="{FF2B5EF4-FFF2-40B4-BE49-F238E27FC236}">
-                <a16:creationId xmlns:a16="http://schemas.microsoft.com/office/drawing/2014/main" xmlns="" id="{6EC92C27-7843-4B22-9200-B7304E6AE4CD}"/>
+                <a16:creationId xmlns="" xmlns:a16="http://schemas.microsoft.com/office/drawing/2014/main" id="{6EC92C27-7843-4B22-9200-B7304E6AE4CD}"/>
               </a:ext>
             </a:extLst>
           </p:cNvPr>
@@ -4072,7 +4073,7 @@
           <p:cNvPr id="6" name="Slide Number Placeholder 5">
             <a:extLst>
               <a:ext uri="{FF2B5EF4-FFF2-40B4-BE49-F238E27FC236}">
-                <a16:creationId xmlns:a16="http://schemas.microsoft.com/office/drawing/2014/main" xmlns="" id="{52DB4F10-F75B-41A8-B994-BFF68949E59A}"/>
+                <a16:creationId xmlns="" xmlns:a16="http://schemas.microsoft.com/office/drawing/2014/main" id="{52DB4F10-F75B-41A8-B994-BFF68949E59A}"/>
               </a:ext>
             </a:extLst>
           </p:cNvPr>
@@ -4128,7 +4129,7 @@
           <p:cNvPr id="7" name="Rectangle 6">
             <a:extLst>
               <a:ext uri="{FF2B5EF4-FFF2-40B4-BE49-F238E27FC236}">
-                <a16:creationId xmlns:a16="http://schemas.microsoft.com/office/drawing/2014/main" xmlns="" id="{512D21E2-8DEB-4F43-A26E-B8DA900A9230}"/>
+                <a16:creationId xmlns="" xmlns:a16="http://schemas.microsoft.com/office/drawing/2014/main" id="{512D21E2-8DEB-4F43-A26E-B8DA900A9230}"/>
               </a:ext>
             </a:extLst>
           </p:cNvPr>
@@ -4191,7 +4192,7 @@
           <p:cNvPr id="8" name="Rectangle 7">
             <a:extLst>
               <a:ext uri="{FF2B5EF4-FFF2-40B4-BE49-F238E27FC236}">
-                <a16:creationId xmlns:a16="http://schemas.microsoft.com/office/drawing/2014/main" xmlns="" id="{35CD3143-7FD1-40EA-AA4A-47C72380AEC2}"/>
+                <a16:creationId xmlns="" xmlns:a16="http://schemas.microsoft.com/office/drawing/2014/main" id="{35CD3143-7FD1-40EA-AA4A-47C72380AEC2}"/>
               </a:ext>
             </a:extLst>
           </p:cNvPr>
@@ -4241,7 +4242,7 @@
     </p:spTree>
     <p:extLst>
       <p:ext uri="{BB962C8B-B14F-4D97-AF65-F5344CB8AC3E}">
-        <p14:creationId xmlns:p14="http://schemas.microsoft.com/office/powerpoint/2010/main" xmlns="" val="3853920126"/>
+        <p14:creationId xmlns="" xmlns:p14="http://schemas.microsoft.com/office/powerpoint/2010/main" val="3853920126"/>
       </p:ext>
     </p:extLst>
   </p:cSld>
@@ -4571,7 +4572,7 @@
           <p:cNvPr id="4" name="Title 3">
             <a:extLst>
               <a:ext uri="{FF2B5EF4-FFF2-40B4-BE49-F238E27FC236}">
-                <a16:creationId xmlns:a16="http://schemas.microsoft.com/office/drawing/2014/main" xmlns="" id="{E10C5037-DA4A-44E2-A9FB-84B1498768A7}"/>
+                <a16:creationId xmlns="" xmlns:a16="http://schemas.microsoft.com/office/drawing/2014/main" id="{E10C5037-DA4A-44E2-A9FB-84B1498768A7}"/>
               </a:ext>
             </a:extLst>
           </p:cNvPr>
@@ -4608,7 +4609,7 @@
           <p:cNvPr id="15" name="Slide Number Placeholder 14">
             <a:extLst>
               <a:ext uri="{FF2B5EF4-FFF2-40B4-BE49-F238E27FC236}">
-                <a16:creationId xmlns:a16="http://schemas.microsoft.com/office/drawing/2014/main" xmlns="" id="{26F5C050-EB87-421A-8A5C-E6CB30102699}"/>
+                <a16:creationId xmlns="" xmlns:a16="http://schemas.microsoft.com/office/drawing/2014/main" id="{26F5C050-EB87-421A-8A5C-E6CB30102699}"/>
               </a:ext>
             </a:extLst>
           </p:cNvPr>
@@ -4642,7 +4643,7 @@
           <p:cNvPr id="29" name="Picture Placeholder 28" descr="Young student drawing on a whiteboard">
             <a:extLst>
               <a:ext uri="{FF2B5EF4-FFF2-40B4-BE49-F238E27FC236}">
-                <a16:creationId xmlns:a16="http://schemas.microsoft.com/office/drawing/2014/main" xmlns="" id="{AE2FE2E9-1D1E-404B-A659-DD19B5D66B5B}"/>
+                <a16:creationId xmlns="" xmlns:a16="http://schemas.microsoft.com/office/drawing/2014/main" id="{AE2FE2E9-1D1E-404B-A659-DD19B5D66B5B}"/>
               </a:ext>
             </a:extLst>
           </p:cNvPr>
@@ -4657,7 +4658,7 @@
           <a:blip r:embed="rId2" cstate="screen">
             <a:extLst>
               <a:ext uri="{28A0092B-C50C-407E-A947-70E740481C1C}">
-                <a14:useLocalDpi xmlns:a14="http://schemas.microsoft.com/office/drawing/2010/main" xmlns=""/>
+                <a14:useLocalDpi xmlns="" xmlns:a14="http://schemas.microsoft.com/office/drawing/2010/main"/>
               </a:ext>
             </a:extLst>
           </a:blip>
@@ -4676,7 +4677,7 @@
     </p:spTree>
     <p:extLst>
       <p:ext uri="{BB962C8B-B14F-4D97-AF65-F5344CB8AC3E}">
-        <p14:creationId xmlns:p14="http://schemas.microsoft.com/office/powerpoint/2010/main" xmlns="" val="1136250268"/>
+        <p14:creationId xmlns="" xmlns:p14="http://schemas.microsoft.com/office/powerpoint/2010/main" val="1136250268"/>
       </p:ext>
     </p:extLst>
   </p:cSld>
@@ -4715,7 +4716,7 @@
           <p:cNvPr id="2" name="Title 1">
             <a:extLst>
               <a:ext uri="{FF2B5EF4-FFF2-40B4-BE49-F238E27FC236}">
-                <a16:creationId xmlns:a16="http://schemas.microsoft.com/office/drawing/2014/main" xmlns="" id="{E199600F-A17E-4354-A7AB-0CC2A43A9354}"/>
+                <a16:creationId xmlns="" xmlns:a16="http://schemas.microsoft.com/office/drawing/2014/main" id="{E199600F-A17E-4354-A7AB-0CC2A43A9354}"/>
               </a:ext>
             </a:extLst>
           </p:cNvPr>
@@ -4739,7 +4740,15 @@
             <a:pPr algn="ctr"/>
             <a:r>
               <a:rPr lang="en-US" dirty="0" smtClean="0"/>
-              <a:t>Finally Block</a:t>
+              <a:t>“throw”-</a:t>
+            </a:r>
+            <a:r>
+              <a:rPr lang="en-US" dirty="0" err="1" smtClean="0"/>
+              <a:t>ing</a:t>
+            </a:r>
+            <a:r>
+              <a:rPr lang="en-US" dirty="0" smtClean="0"/>
+              <a:t> Exception</a:t>
             </a:r>
             <a:endParaRPr lang="en-US" dirty="0"/>
           </a:p>
@@ -4750,7 +4759,7 @@
           <p:cNvPr id="3" name="Content Placeholder 2">
             <a:extLst>
               <a:ext uri="{FF2B5EF4-FFF2-40B4-BE49-F238E27FC236}">
-                <a16:creationId xmlns:a16="http://schemas.microsoft.com/office/drawing/2014/main" xmlns="" id="{FA6A4B49-27C8-46B6-8B11-AD7E8F615E2C}"/>
+                <a16:creationId xmlns="" xmlns:a16="http://schemas.microsoft.com/office/drawing/2014/main" id="{FA6A4B49-27C8-46B6-8B11-AD7E8F615E2C}"/>
               </a:ext>
             </a:extLst>
           </p:cNvPr>
@@ -4778,21 +4787,26 @@
           <a:p>
             <a:r>
               <a:rPr lang="en-US" sz="2800" dirty="0" smtClean="0"/>
-              <a:t>A finally block is sure piece of code. This means that whether and exception occurs or not , the code in finally block is guaranteed to be executed.</a:t>
+              <a:t>A programmer also could “throw” an exception. If certain condition in the code that the programmer mandate to be fulfilled is violated and the programmer thinks that further execution is not possible then he can decide to throw an exception explicitly.</a:t>
             </a:r>
           </a:p>
           <a:p>
             <a:r>
               <a:rPr lang="en-US" sz="2800" dirty="0" smtClean="0"/>
-              <a:t>This is  a common place to close any open database connection or file streams or other common tasks like setting objects to null, </a:t>
-            </a:r>
+              <a:t>Only exception objects can be used with “throw” clause not any other object. Hence following is an example of incorrect throw usage :</a:t>
+            </a:r>
+          </a:p>
+          <a:p>
+            <a:pPr lvl="1"/>
+            <a:r>
+              <a:rPr lang="en-US" sz="2600" dirty="0" smtClean="0"/>
+              <a:t>throw new String(“Java”)</a:t>
+            </a:r>
+          </a:p>
+          <a:p>
             <a:r>
               <a:rPr lang="en-US" sz="2800" dirty="0" smtClean="0"/>
-              <a:t>resetting </a:t>
-            </a:r>
-            <a:r>
-              <a:rPr lang="en-US" sz="2800" dirty="0" smtClean="0"/>
-              <a:t>any value etc. This block ideally contains code that is used for cleaning up affairs.</a:t>
+              <a:t>Only objects whose classes lie in the exception hierarchy are eligible to be used with “throw” clause.</a:t>
             </a:r>
           </a:p>
         </p:txBody>
@@ -4802,7 +4816,7 @@
           <p:cNvPr id="4" name="Slide Number Placeholder 3">
             <a:extLst>
               <a:ext uri="{FF2B5EF4-FFF2-40B4-BE49-F238E27FC236}">
-                <a16:creationId xmlns:a16="http://schemas.microsoft.com/office/drawing/2014/main" xmlns="" id="{62B4CE3A-8C88-45AA-A849-57E5A7AC22C1}"/>
+                <a16:creationId xmlns="" xmlns:a16="http://schemas.microsoft.com/office/drawing/2014/main" id="{62B4CE3A-8C88-45AA-A849-57E5A7AC22C1}"/>
               </a:ext>
             </a:extLst>
           </p:cNvPr>
@@ -4841,10 +4855,10 @@
           <p:cNvPr id="11" name="Rectangle 10">
             <a:extLst>
               <a:ext uri="{FF2B5EF4-FFF2-40B4-BE49-F238E27FC236}">
-                <a16:creationId xmlns:a16="http://schemas.microsoft.com/office/drawing/2014/main" xmlns="" id="{5F253864-26FA-4AB1-9F0A-4F57D870EE85}"/>
+                <a16:creationId xmlns="" xmlns:a16="http://schemas.microsoft.com/office/drawing/2014/main" id="{5F253864-26FA-4AB1-9F0A-4F57D870EE85}"/>
               </a:ext>
               <a:ext uri="{C183D7F6-B498-43B3-948B-1728B52AA6E4}">
-                <adec:decorative xmlns="" xmlns:adec="http://schemas.microsoft.com/office/drawing/2017/decorative" val="1"/>
+                <adec:decorative xmlns:adec="http://schemas.microsoft.com/office/drawing/2017/decorative" xmlns="" val="1"/>
               </a:ext>
             </a:extLst>
           </p:cNvPr>
@@ -4897,7 +4911,7 @@
     </p:spTree>
     <p:extLst>
       <p:ext uri="{BB962C8B-B14F-4D97-AF65-F5344CB8AC3E}">
-        <p14:creationId xmlns:p14="http://schemas.microsoft.com/office/powerpoint/2010/main" xmlns="" val="2146720335"/>
+        <p14:creationId xmlns="" xmlns:p14="http://schemas.microsoft.com/office/powerpoint/2010/main" val="65767595"/>
       </p:ext>
     </p:extLst>
   </p:cSld>
@@ -4936,7 +4950,7 @@
           <p:cNvPr id="2" name="Title 1">
             <a:extLst>
               <a:ext uri="{FF2B5EF4-FFF2-40B4-BE49-F238E27FC236}">
-                <a16:creationId xmlns:a16="http://schemas.microsoft.com/office/drawing/2014/main" xmlns="" id="{E199600F-A17E-4354-A7AB-0CC2A43A9354}"/>
+                <a16:creationId xmlns="" xmlns:a16="http://schemas.microsoft.com/office/drawing/2014/main" id="{E199600F-A17E-4354-A7AB-0CC2A43A9354}"/>
               </a:ext>
             </a:extLst>
           </p:cNvPr>
@@ -4960,7 +4974,7 @@
             <a:pPr algn="ctr"/>
             <a:r>
               <a:rPr lang="en-US" dirty="0" smtClean="0"/>
-              <a:t>Try-Catch-Finally mechanism</a:t>
+              <a:t>Finally Block</a:t>
             </a:r>
             <a:endParaRPr lang="en-US" dirty="0"/>
           </a:p>
@@ -4968,10 +4982,54 @@
       </p:sp>
       <p:sp>
         <p:nvSpPr>
+          <p:cNvPr id="3" name="Content Placeholder 2">
+            <a:extLst>
+              <a:ext uri="{FF2B5EF4-FFF2-40B4-BE49-F238E27FC236}">
+                <a16:creationId xmlns="" xmlns:a16="http://schemas.microsoft.com/office/drawing/2014/main" id="{FA6A4B49-27C8-46B6-8B11-AD7E8F615E2C}"/>
+              </a:ext>
+            </a:extLst>
+          </p:cNvPr>
+          <p:cNvSpPr>
+            <a:spLocks noGrp="1"/>
+          </p:cNvSpPr>
+          <p:nvPr>
+            <p:ph idx="1"/>
+          </p:nvPr>
+        </p:nvSpPr>
+        <p:spPr>
+          <a:xfrm>
+            <a:off x="838199" y="1825625"/>
+            <a:ext cx="10515599" cy="4351338"/>
+          </a:xfrm>
+        </p:spPr>
+        <p:txBody>
+          <a:bodyPr>
+            <a:normAutofit/>
+          </a:bodyPr>
+          <a:lstStyle/>
+          <a:p>
+            <a:endParaRPr lang="en-US" sz="2800" dirty="0" smtClean="0"/>
+          </a:p>
+          <a:p>
+            <a:r>
+              <a:rPr lang="en-US" sz="2800" dirty="0" smtClean="0"/>
+              <a:t>A finally block is sure piece of code. This means that whether and exception occurs or not , the code in finally block is guaranteed to be executed.</a:t>
+            </a:r>
+          </a:p>
+          <a:p>
+            <a:r>
+              <a:rPr lang="en-US" sz="2800" dirty="0" smtClean="0"/>
+              <a:t>This is  a common place to close any open database connection or file streams or other common tasks like setting objects to null, resetting any value etc. This block ideally contains code that is used for cleaning up affairs.</a:t>
+            </a:r>
+          </a:p>
+        </p:txBody>
+      </p:sp>
+      <p:sp>
+        <p:nvSpPr>
           <p:cNvPr id="4" name="Slide Number Placeholder 3">
             <a:extLst>
               <a:ext uri="{FF2B5EF4-FFF2-40B4-BE49-F238E27FC236}">
-                <a16:creationId xmlns:a16="http://schemas.microsoft.com/office/drawing/2014/main" xmlns="" id="{62B4CE3A-8C88-45AA-A849-57E5A7AC22C1}"/>
+                <a16:creationId xmlns="" xmlns:a16="http://schemas.microsoft.com/office/drawing/2014/main" id="{62B4CE3A-8C88-45AA-A849-57E5A7AC22C1}"/>
               </a:ext>
             </a:extLst>
           </p:cNvPr>
@@ -5010,10 +5068,10 @@
           <p:cNvPr id="11" name="Rectangle 10">
             <a:extLst>
               <a:ext uri="{FF2B5EF4-FFF2-40B4-BE49-F238E27FC236}">
-                <a16:creationId xmlns:a16="http://schemas.microsoft.com/office/drawing/2014/main" xmlns="" id="{5F253864-26FA-4AB1-9F0A-4F57D870EE85}"/>
+                <a16:creationId xmlns="" xmlns:a16="http://schemas.microsoft.com/office/drawing/2014/main" id="{5F253864-26FA-4AB1-9F0A-4F57D870EE85}"/>
               </a:ext>
               <a:ext uri="{C183D7F6-B498-43B3-948B-1728B52AA6E4}">
-                <adec:decorative xmlns="" xmlns:adec="http://schemas.microsoft.com/office/drawing/2017/decorative" val="1"/>
+                <adec:decorative xmlns:adec="http://schemas.microsoft.com/office/drawing/2017/decorative" xmlns="" val="1"/>
               </a:ext>
             </a:extLst>
           </p:cNvPr>
@@ -5063,33 +5121,10 @@
           </a:p>
         </p:txBody>
       </p:sp>
-      <p:pic>
-        <p:nvPicPr>
-          <p:cNvPr id="7" name="Content Placeholder 6" descr="Exception Flow.png"/>
-          <p:cNvPicPr>
-            <a:picLocks noGrp="1" noChangeAspect="1"/>
-          </p:cNvPicPr>
-          <p:nvPr>
-            <p:ph idx="1"/>
-          </p:nvPr>
-        </p:nvPicPr>
-        <p:blipFill>
-          <a:blip r:embed="rId2"/>
-          <a:stretch>
-            <a:fillRect/>
-          </a:stretch>
-        </p:blipFill>
-        <p:spPr>
-          <a:xfrm>
-            <a:off x="3452665" y="1636430"/>
-            <a:ext cx="4855779" cy="4843194"/>
-          </a:xfrm>
-        </p:spPr>
-      </p:pic>
     </p:spTree>
     <p:extLst>
       <p:ext uri="{BB962C8B-B14F-4D97-AF65-F5344CB8AC3E}">
-        <p14:creationId xmlns:p14="http://schemas.microsoft.com/office/powerpoint/2010/main" xmlns="" val="2745771103"/>
+        <p14:creationId xmlns="" xmlns:p14="http://schemas.microsoft.com/office/powerpoint/2010/main" val="2146720335"/>
       </p:ext>
     </p:extLst>
   </p:cSld>
@@ -5128,7 +5163,7 @@
           <p:cNvPr id="2" name="Title 1">
             <a:extLst>
               <a:ext uri="{FF2B5EF4-FFF2-40B4-BE49-F238E27FC236}">
-                <a16:creationId xmlns:a16="http://schemas.microsoft.com/office/drawing/2014/main" xmlns="" id="{E199600F-A17E-4354-A7AB-0CC2A43A9354}"/>
+                <a16:creationId xmlns="" xmlns:a16="http://schemas.microsoft.com/office/drawing/2014/main" id="{E199600F-A17E-4354-A7AB-0CC2A43A9354}"/>
               </a:ext>
             </a:extLst>
           </p:cNvPr>
@@ -5151,156 +5186,10 @@
           <a:p>
             <a:pPr algn="ctr"/>
             <a:r>
-              <a:rPr lang="en-US" dirty="0"/>
-              <a:t>Checked &amp; Unchecked Exceptions</a:t>
-            </a:r>
-          </a:p>
-        </p:txBody>
-      </p:sp>
-      <p:sp>
-        <p:nvSpPr>
-          <p:cNvPr id="3" name="Content Placeholder 2">
-            <a:extLst>
-              <a:ext uri="{FF2B5EF4-FFF2-40B4-BE49-F238E27FC236}">
-                <a16:creationId xmlns:a16="http://schemas.microsoft.com/office/drawing/2014/main" xmlns="" id="{FA6A4B49-27C8-46B6-8B11-AD7E8F615E2C}"/>
-              </a:ext>
-            </a:extLst>
-          </p:cNvPr>
-          <p:cNvSpPr>
-            <a:spLocks noGrp="1"/>
-          </p:cNvSpPr>
-          <p:nvPr>
-            <p:ph idx="1"/>
-          </p:nvPr>
-        </p:nvSpPr>
-        <p:spPr>
-          <a:xfrm>
-            <a:off x="838199" y="1825625"/>
-            <a:ext cx="10515599" cy="4351338"/>
-          </a:xfrm>
-        </p:spPr>
-        <p:txBody>
-          <a:bodyPr>
-            <a:normAutofit/>
-          </a:bodyPr>
-          <a:lstStyle/>
-          <a:p>
-            <a:r>
               <a:rPr lang="en-US" dirty="0" smtClean="0"/>
-              <a:t>There are two types of exceptions in java </a:t>
-            </a:r>
-          </a:p>
-          <a:p>
-            <a:pPr lvl="1"/>
-            <a:r>
-              <a:rPr lang="en-US" sz="2000" dirty="0" smtClean="0"/>
-              <a:t>Unchecked</a:t>
-            </a:r>
-            <a:endParaRPr lang="en-US" sz="2000" dirty="0" smtClean="0"/>
-          </a:p>
-          <a:p>
-            <a:pPr lvl="2"/>
-            <a:r>
-              <a:rPr lang="en-US" sz="2000" dirty="0" smtClean="0"/>
-              <a:t>Are those which are raised due to programming errors or situations which are irrecoverable. The compiler does not force the programmer to handle such sort of exceptions and it is upon programmers discretion to handle them or leave them.</a:t>
-            </a:r>
-          </a:p>
-          <a:p>
-            <a:pPr lvl="2"/>
-            <a:r>
-              <a:rPr lang="en-US" sz="2000" dirty="0" smtClean="0"/>
-              <a:t>All exception classes inheriting from </a:t>
-            </a:r>
-            <a:r>
-              <a:rPr lang="en-US" sz="2000" b="1" i="1" dirty="0" smtClean="0">
-                <a:solidFill>
-                  <a:srgbClr val="FFFF00"/>
-                </a:solidFill>
-              </a:rPr>
-              <a:t>Error </a:t>
-            </a:r>
-            <a:r>
-              <a:rPr lang="en-US" sz="2000" b="1" i="1" dirty="0" smtClean="0">
-                <a:solidFill>
-                  <a:srgbClr val="FFFF00"/>
-                </a:solidFill>
-              </a:rPr>
-              <a:t>&amp; </a:t>
-            </a:r>
-            <a:r>
-              <a:rPr lang="en-US" sz="2000" b="1" i="1" dirty="0" err="1" smtClean="0">
-                <a:solidFill>
-                  <a:srgbClr val="FFFF00"/>
-                </a:solidFill>
-              </a:rPr>
-              <a:t>RuntimeException</a:t>
-            </a:r>
-            <a:r>
-              <a:rPr lang="en-US" sz="2000" dirty="0" smtClean="0">
-                <a:solidFill>
-                  <a:srgbClr val="FFFF00"/>
-                </a:solidFill>
-              </a:rPr>
-              <a:t> </a:t>
-            </a:r>
-            <a:r>
-              <a:rPr lang="en-US" sz="2000" dirty="0" smtClean="0"/>
-              <a:t>are </a:t>
-            </a:r>
-            <a:r>
-              <a:rPr lang="en-US" sz="2000" dirty="0" smtClean="0"/>
-              <a:t>examples of unchecked exceptions.</a:t>
-            </a:r>
-          </a:p>
-          <a:p>
-            <a:pPr lvl="1"/>
-            <a:r>
-              <a:rPr lang="en-US" sz="2000" dirty="0" smtClean="0"/>
-              <a:t>Checked</a:t>
-            </a:r>
-          </a:p>
-          <a:p>
-            <a:pPr lvl="2"/>
-            <a:r>
-              <a:rPr lang="en-US" sz="2000" dirty="0" smtClean="0"/>
-              <a:t>Those exception which compiler forces the programmer to mandatorily handle.</a:t>
-            </a:r>
-          </a:p>
-          <a:p>
-            <a:pPr lvl="2"/>
-            <a:r>
-              <a:rPr lang="en-US" sz="2000" noProof="1" smtClean="0"/>
-              <a:t>All exception classes extending from</a:t>
-            </a:r>
-            <a:r>
-              <a:rPr lang="en-US" sz="2000" noProof="1" smtClean="0">
-                <a:solidFill>
-                  <a:srgbClr val="FFFF00"/>
-                </a:solidFill>
-              </a:rPr>
-              <a:t> </a:t>
-            </a:r>
-            <a:r>
-              <a:rPr lang="en-US" sz="2000" b="1" i="1" noProof="1" smtClean="0">
-                <a:solidFill>
-                  <a:srgbClr val="FFFF00"/>
-                </a:solidFill>
-              </a:rPr>
-              <a:t>Exception</a:t>
-            </a:r>
-            <a:r>
-              <a:rPr lang="en-US" sz="2000" noProof="1" smtClean="0">
-                <a:solidFill>
-                  <a:srgbClr val="FFFF00"/>
-                </a:solidFill>
-              </a:rPr>
-              <a:t> </a:t>
-            </a:r>
-            <a:r>
-              <a:rPr lang="en-US" sz="2000" noProof="1" smtClean="0"/>
-              <a:t>class or any subclass except that of RuntimeException.</a:t>
-            </a:r>
-            <a:endParaRPr lang="en-US" sz="2000" noProof="1"/>
+              <a:t>Try-Catch-Finally mechanism</a:t>
+            </a:r>
+            <a:endParaRPr lang="en-US" dirty="0"/>
           </a:p>
         </p:txBody>
       </p:sp>
@@ -5309,7 +5198,7 @@
           <p:cNvPr id="4" name="Slide Number Placeholder 3">
             <a:extLst>
               <a:ext uri="{FF2B5EF4-FFF2-40B4-BE49-F238E27FC236}">
-                <a16:creationId xmlns:a16="http://schemas.microsoft.com/office/drawing/2014/main" xmlns="" id="{62B4CE3A-8C88-45AA-A849-57E5A7AC22C1}"/>
+                <a16:creationId xmlns="" xmlns:a16="http://schemas.microsoft.com/office/drawing/2014/main" id="{62B4CE3A-8C88-45AA-A849-57E5A7AC22C1}"/>
               </a:ext>
             </a:extLst>
           </p:cNvPr>
@@ -5348,10 +5237,10 @@
           <p:cNvPr id="11" name="Rectangle 10">
             <a:extLst>
               <a:ext uri="{FF2B5EF4-FFF2-40B4-BE49-F238E27FC236}">
-                <a16:creationId xmlns:a16="http://schemas.microsoft.com/office/drawing/2014/main" xmlns="" id="{5F253864-26FA-4AB1-9F0A-4F57D870EE85}"/>
+                <a16:creationId xmlns="" xmlns:a16="http://schemas.microsoft.com/office/drawing/2014/main" id="{5F253864-26FA-4AB1-9F0A-4F57D870EE85}"/>
               </a:ext>
               <a:ext uri="{C183D7F6-B498-43B3-948B-1728B52AA6E4}">
-                <adec:decorative xmlns="" xmlns:adec="http://schemas.microsoft.com/office/drawing/2017/decorative" val="1"/>
+                <adec:decorative xmlns:adec="http://schemas.microsoft.com/office/drawing/2017/decorative" xmlns="" val="1"/>
               </a:ext>
             </a:extLst>
           </p:cNvPr>
@@ -5401,10 +5290,33 @@
           </a:p>
         </p:txBody>
       </p:sp>
+      <p:pic>
+        <p:nvPicPr>
+          <p:cNvPr id="7" name="Content Placeholder 6" descr="Exception Flow.png"/>
+          <p:cNvPicPr>
+            <a:picLocks noGrp="1" noChangeAspect="1"/>
+          </p:cNvPicPr>
+          <p:nvPr>
+            <p:ph idx="1"/>
+          </p:nvPr>
+        </p:nvPicPr>
+        <p:blipFill>
+          <a:blip r:embed="rId2"/>
+          <a:stretch>
+            <a:fillRect/>
+          </a:stretch>
+        </p:blipFill>
+        <p:spPr>
+          <a:xfrm>
+            <a:off x="3452665" y="1636430"/>
+            <a:ext cx="4855779" cy="4843194"/>
+          </a:xfrm>
+        </p:spPr>
+      </p:pic>
     </p:spTree>
     <p:extLst>
       <p:ext uri="{BB962C8B-B14F-4D97-AF65-F5344CB8AC3E}">
-        <p14:creationId xmlns:p14="http://schemas.microsoft.com/office/powerpoint/2010/main" xmlns="" val="859118885"/>
+        <p14:creationId xmlns="" xmlns:p14="http://schemas.microsoft.com/office/powerpoint/2010/main" val="2745771103"/>
       </p:ext>
     </p:extLst>
   </p:cSld>
@@ -5440,45 +5352,10 @@
       </p:grpSpPr>
       <p:sp>
         <p:nvSpPr>
-          <p:cNvPr id="2" name="Title 1">
-            <a:extLst>
-              <a:ext uri="{FF2B5EF4-FFF2-40B4-BE49-F238E27FC236}">
-                <a16:creationId xmlns:a16="http://schemas.microsoft.com/office/drawing/2014/main" xmlns="" id="{E199600F-A17E-4354-A7AB-0CC2A43A9354}"/>
-              </a:ext>
-            </a:extLst>
-          </p:cNvPr>
-          <p:cNvSpPr>
-            <a:spLocks noGrp="1"/>
-          </p:cNvSpPr>
-          <p:nvPr>
-            <p:ph type="title"/>
-          </p:nvPr>
-        </p:nvSpPr>
-        <p:spPr>
-          <a:xfrm>
-            <a:off x="838199" y="611079"/>
-            <a:ext cx="10515600" cy="833663"/>
-          </a:xfrm>
-        </p:spPr>
-        <p:txBody>
-          <a:bodyPr/>
-          <a:lstStyle/>
-          <a:p>
-            <a:pPr algn="ctr"/>
-            <a:r>
-              <a:rPr lang="en-US" dirty="0" smtClean="0"/>
-              <a:t>Handling Multiple Exceptions</a:t>
-            </a:r>
-            <a:endParaRPr lang="en-US" dirty="0"/>
-          </a:p>
-        </p:txBody>
-      </p:sp>
-      <p:sp>
-        <p:nvSpPr>
           <p:cNvPr id="3" name="Content Placeholder 2">
             <a:extLst>
               <a:ext uri="{FF2B5EF4-FFF2-40B4-BE49-F238E27FC236}">
-                <a16:creationId xmlns:a16="http://schemas.microsoft.com/office/drawing/2014/main" xmlns="" id="{FA6A4B49-27C8-46B6-8B11-AD7E8F615E2C}"/>
+                <a16:creationId xmlns="" xmlns:a16="http://schemas.microsoft.com/office/drawing/2014/main" id="{FA6A4B49-27C8-46B6-8B11-AD7E8F615E2C}"/>
               </a:ext>
             </a:extLst>
           </p:cNvPr>
@@ -5491,37 +5368,164 @@
         </p:nvSpPr>
         <p:spPr>
           <a:xfrm>
-            <a:off x="838199" y="1825625"/>
-            <a:ext cx="10515599" cy="4351338"/>
-          </a:xfrm>
-        </p:spPr>
-        <p:txBody>
-          <a:bodyPr>
+            <a:off x="537029" y="2902857"/>
+            <a:ext cx="11176000" cy="3274105"/>
+          </a:xfrm>
+        </p:spPr>
+        <p:txBody>
+          <a:bodyPr numCol="2">
             <a:normAutofit/>
           </a:bodyPr>
           <a:lstStyle/>
           <a:p>
-            <a:endParaRPr lang="en-US" sz="2800" dirty="0" smtClean="0"/>
-          </a:p>
-          <a:p>
-            <a:r>
-              <a:rPr lang="en-US" sz="2800" dirty="0" smtClean="0"/>
-              <a:t>A finally block is sure piece of code. This means that whether and exception occurs or not , the code in finally block is guaranteed to be executed.</a:t>
-            </a:r>
-          </a:p>
-          <a:p>
-            <a:r>
-              <a:rPr lang="en-US" sz="2800" dirty="0" smtClean="0"/>
-              <a:t>This is  a common place to close any open database connection or file streams or other common tasks like setting objects to null, </a:t>
-            </a:r>
-            <a:r>
-              <a:rPr lang="en-US" sz="2800" dirty="0" smtClean="0"/>
-              <a:t>resetting </a:t>
-            </a:r>
-            <a:r>
-              <a:rPr lang="en-US" sz="2800" dirty="0" smtClean="0"/>
-              <a:t>any value etc. This block ideally contains code that is used for cleaning up affairs.</a:t>
-            </a:r>
+            <a:pPr lvl="1"/>
+            <a:r>
+              <a:rPr lang="en-US" sz="2200" dirty="0" smtClean="0"/>
+              <a:t>Ex</a:t>
+            </a:r>
+            <a:r>
+              <a:rPr lang="en-US" sz="2200" dirty="0" smtClean="0"/>
+              <a:t>ceptions that are </a:t>
+            </a:r>
+            <a:r>
+              <a:rPr lang="en-US" sz="2200" dirty="0" smtClean="0"/>
+              <a:t>raised due to programming errors or situations which are irrecoverable. </a:t>
+            </a:r>
+            <a:endParaRPr lang="en-US" sz="2200" dirty="0" smtClean="0"/>
+          </a:p>
+          <a:p>
+            <a:pPr lvl="1"/>
+            <a:r>
+              <a:rPr lang="en-US" sz="2200" dirty="0" smtClean="0"/>
+              <a:t>Compiler </a:t>
+            </a:r>
+            <a:r>
+              <a:rPr lang="en-US" sz="2200" dirty="0" smtClean="0"/>
+              <a:t>does not force </a:t>
+            </a:r>
+            <a:r>
+              <a:rPr lang="en-US" sz="2200" dirty="0" smtClean="0"/>
+              <a:t>to </a:t>
+            </a:r>
+            <a:r>
+              <a:rPr lang="en-US" sz="2200" dirty="0" smtClean="0"/>
+              <a:t>handle such sort of exceptions and it is upon programmers discretion to </a:t>
+            </a:r>
+            <a:r>
+              <a:rPr lang="en-US" sz="2200" dirty="0" smtClean="0"/>
+              <a:t>handle them</a:t>
+            </a:r>
+            <a:r>
+              <a:rPr lang="en-US" sz="2200" dirty="0" smtClean="0"/>
+              <a:t> or not.</a:t>
+            </a:r>
+            <a:endParaRPr lang="en-US" sz="2200" dirty="0" smtClean="0"/>
+          </a:p>
+          <a:p>
+            <a:pPr lvl="1"/>
+            <a:r>
+              <a:rPr lang="en-US" sz="2200" dirty="0" smtClean="0"/>
+              <a:t>All exception classes inheriting from </a:t>
+            </a:r>
+            <a:r>
+              <a:rPr lang="en-US" sz="2200" b="1" i="1" dirty="0" smtClean="0">
+                <a:solidFill>
+                  <a:srgbClr val="FFFF00"/>
+                </a:solidFill>
+              </a:rPr>
+              <a:t>Error &amp; </a:t>
+            </a:r>
+            <a:r>
+              <a:rPr lang="en-US" sz="2200" b="1" i="1" dirty="0" err="1" smtClean="0">
+                <a:solidFill>
+                  <a:srgbClr val="FFFF00"/>
+                </a:solidFill>
+              </a:rPr>
+              <a:t>RuntimeException</a:t>
+            </a:r>
+            <a:r>
+              <a:rPr lang="en-US" sz="2200" dirty="0" smtClean="0">
+                <a:solidFill>
+                  <a:srgbClr val="FFFF00"/>
+                </a:solidFill>
+              </a:rPr>
+              <a:t> </a:t>
+            </a:r>
+            <a:r>
+              <a:rPr lang="en-US" sz="2200" dirty="0" smtClean="0"/>
+              <a:t>are examples of unchecked exceptions</a:t>
+            </a:r>
+            <a:r>
+              <a:rPr lang="en-US" sz="2200" dirty="0" smtClean="0"/>
+              <a:t>.</a:t>
+            </a:r>
+            <a:endParaRPr lang="en-US" sz="2200" dirty="0" smtClean="0"/>
+          </a:p>
+          <a:p>
+            <a:pPr lvl="2"/>
+            <a:r>
+              <a:rPr lang="en-US" sz="2000" dirty="0" smtClean="0"/>
+              <a:t>Exceptions for </a:t>
+            </a:r>
+            <a:r>
+              <a:rPr lang="en-US" sz="2000" dirty="0" smtClean="0"/>
+              <a:t>which compiler forces the programmer to mandatorily handle.</a:t>
+            </a:r>
+          </a:p>
+          <a:p>
+            <a:pPr lvl="2"/>
+            <a:r>
+              <a:rPr lang="en-US" sz="2000" noProof="1" smtClean="0"/>
+              <a:t>All exception classes extending from</a:t>
+            </a:r>
+            <a:r>
+              <a:rPr lang="en-US" sz="2000" noProof="1" smtClean="0">
+                <a:solidFill>
+                  <a:srgbClr val="FFFF00"/>
+                </a:solidFill>
+              </a:rPr>
+              <a:t> </a:t>
+            </a:r>
+            <a:r>
+              <a:rPr lang="en-US" sz="2000" b="1" i="1" noProof="1" smtClean="0">
+                <a:solidFill>
+                  <a:srgbClr val="FFFF00"/>
+                </a:solidFill>
+              </a:rPr>
+              <a:t>Exception</a:t>
+            </a:r>
+            <a:r>
+              <a:rPr lang="en-US" sz="2000" noProof="1" smtClean="0">
+                <a:solidFill>
+                  <a:srgbClr val="FFFF00"/>
+                </a:solidFill>
+              </a:rPr>
+              <a:t> </a:t>
+            </a:r>
+            <a:r>
+              <a:rPr lang="en-US" sz="2000" noProof="1" smtClean="0"/>
+              <a:t>class or any subclass except that of RuntimeException</a:t>
+            </a:r>
+            <a:r>
+              <a:rPr lang="en-US" sz="2000" noProof="1" smtClean="0"/>
+              <a:t>.</a:t>
+            </a:r>
+          </a:p>
+          <a:p>
+            <a:pPr lvl="2"/>
+            <a:endParaRPr lang="en-US" sz="2000" noProof="1" smtClean="0"/>
+          </a:p>
+          <a:p>
+            <a:pPr lvl="2"/>
+            <a:endParaRPr lang="en-US" sz="2000" noProof="1" smtClean="0"/>
+          </a:p>
+          <a:p>
+            <a:pPr lvl="2"/>
+            <a:endParaRPr lang="en-US" sz="2000" noProof="1" smtClean="0"/>
+          </a:p>
+          <a:p>
+            <a:pPr lvl="2"/>
+            <a:endParaRPr lang="en-US" sz="2000" noProof="1"/>
           </a:p>
         </p:txBody>
       </p:sp>
@@ -5530,7 +5534,7 @@
           <p:cNvPr id="4" name="Slide Number Placeholder 3">
             <a:extLst>
               <a:ext uri="{FF2B5EF4-FFF2-40B4-BE49-F238E27FC236}">
-                <a16:creationId xmlns:a16="http://schemas.microsoft.com/office/drawing/2014/main" xmlns="" id="{62B4CE3A-8C88-45AA-A849-57E5A7AC22C1}"/>
+                <a16:creationId xmlns="" xmlns:a16="http://schemas.microsoft.com/office/drawing/2014/main" id="{62B4CE3A-8C88-45AA-A849-57E5A7AC22C1}"/>
               </a:ext>
             </a:extLst>
           </p:cNvPr>
@@ -5569,10 +5573,10 @@
           <p:cNvPr id="11" name="Rectangle 10">
             <a:extLst>
               <a:ext uri="{FF2B5EF4-FFF2-40B4-BE49-F238E27FC236}">
-                <a16:creationId xmlns:a16="http://schemas.microsoft.com/office/drawing/2014/main" xmlns="" id="{5F253864-26FA-4AB1-9F0A-4F57D870EE85}"/>
+                <a16:creationId xmlns="" xmlns:a16="http://schemas.microsoft.com/office/drawing/2014/main" id="{5F253864-26FA-4AB1-9F0A-4F57D870EE85}"/>
               </a:ext>
               <a:ext uri="{C183D7F6-B498-43B3-948B-1728B52AA6E4}">
-                <adec:decorative xmlns="" xmlns:adec="http://schemas.microsoft.com/office/drawing/2017/decorative" val="1"/>
+                <adec:decorative xmlns:adec="http://schemas.microsoft.com/office/drawing/2017/decorative" xmlns="" val="1"/>
               </a:ext>
             </a:extLst>
           </p:cNvPr>
@@ -5622,16 +5626,41 @@
           </a:p>
         </p:txBody>
       </p:sp>
+      <p:pic>
+        <p:nvPicPr>
+          <p:cNvPr id="9" name="Picture 8" descr="API-flowchart-(1).png"/>
+          <p:cNvPicPr>
+            <a:picLocks noChangeAspect="1"/>
+          </p:cNvPicPr>
+          <p:nvPr/>
+        </p:nvPicPr>
+        <p:blipFill>
+          <a:blip r:embed="rId2"/>
+          <a:stretch>
+            <a:fillRect/>
+          </a:stretch>
+        </p:blipFill>
+        <p:spPr>
+          <a:xfrm>
+            <a:off x="1204686" y="333837"/>
+            <a:ext cx="9898743" cy="2496456"/>
+          </a:xfrm>
+          <a:prstGeom prst="rect">
+            <a:avLst/>
+          </a:prstGeom>
+        </p:spPr>
+      </p:pic>
     </p:spTree>
     <p:extLst>
       <p:ext uri="{BB962C8B-B14F-4D97-AF65-F5344CB8AC3E}">
-        <p14:creationId xmlns:p14="http://schemas.microsoft.com/office/powerpoint/2010/main" xmlns="" val="2322328032"/>
+        <p14:creationId xmlns="" xmlns:p14="http://schemas.microsoft.com/office/powerpoint/2010/main" val="859118885"/>
       </p:ext>
     </p:extLst>
   </p:cSld>
   <p:clrMapOvr>
     <a:masterClrMapping/>
   </p:clrMapOvr>
+  <p:transition/>
   <p:timing>
     <p:tnLst>
       <p:par>
@@ -5664,7 +5693,7 @@
           <p:cNvPr id="2" name="Title 1">
             <a:extLst>
               <a:ext uri="{FF2B5EF4-FFF2-40B4-BE49-F238E27FC236}">
-                <a16:creationId xmlns:a16="http://schemas.microsoft.com/office/drawing/2014/main" xmlns="" id="{E199600F-A17E-4354-A7AB-0CC2A43A9354}"/>
+                <a16:creationId xmlns="" xmlns:a16="http://schemas.microsoft.com/office/drawing/2014/main" id="{E199600F-A17E-4354-A7AB-0CC2A43A9354}"/>
               </a:ext>
             </a:extLst>
           </p:cNvPr>
@@ -5677,8 +5706,8 @@
         </p:nvSpPr>
         <p:spPr>
           <a:xfrm>
-            <a:off x="838199" y="641857"/>
-            <a:ext cx="10515600" cy="772107"/>
+            <a:off x="838199" y="611079"/>
+            <a:ext cx="10515600" cy="833663"/>
           </a:xfrm>
         </p:spPr>
         <p:txBody>
@@ -5687,10 +5716,10 @@
           <a:p>
             <a:pPr algn="ctr"/>
             <a:r>
-              <a:rPr lang="en-US" sz="3600" dirty="0" smtClean="0"/>
-              <a:t>Exceptions in Static Initializers</a:t>
-            </a:r>
-            <a:endParaRPr lang="en-US" sz="3600" dirty="0"/>
+              <a:rPr lang="en-US" dirty="0" smtClean="0"/>
+              <a:t>Handling Multiple Exceptions</a:t>
+            </a:r>
+            <a:endParaRPr lang="en-US" dirty="0"/>
           </a:p>
         </p:txBody>
       </p:sp>
@@ -5699,7 +5728,7 @@
           <p:cNvPr id="3" name="Content Placeholder 2">
             <a:extLst>
               <a:ext uri="{FF2B5EF4-FFF2-40B4-BE49-F238E27FC236}">
-                <a16:creationId xmlns:a16="http://schemas.microsoft.com/office/drawing/2014/main" xmlns="" id="{FA6A4B49-27C8-46B6-8B11-AD7E8F615E2C}"/>
+                <a16:creationId xmlns="" xmlns:a16="http://schemas.microsoft.com/office/drawing/2014/main" id="{FA6A4B49-27C8-46B6-8B11-AD7E8F615E2C}"/>
               </a:ext>
             </a:extLst>
           </p:cNvPr>
@@ -5727,33 +5756,13 @@
           <a:p>
             <a:r>
               <a:rPr lang="en-US" sz="2800" dirty="0" smtClean="0"/>
-              <a:t>Static Initializers are the piece of code that are called when the class is loaded by the JVM for the first time.</a:t>
+              <a:t>A finally block is sure piece of code. This means that whether and exception occurs or not , the code in finally block is guaranteed to be executed.</a:t>
             </a:r>
           </a:p>
           <a:p>
             <a:r>
               <a:rPr lang="en-US" sz="2800" dirty="0" smtClean="0"/>
-              <a:t>There is no application code that directly invokes it.</a:t>
-            </a:r>
-          </a:p>
-          <a:p>
-            <a:r>
-              <a:rPr lang="en-US" sz="2800" dirty="0" smtClean="0"/>
-              <a:t>As a result following applies to static initializers : </a:t>
-            </a:r>
-          </a:p>
-          <a:p>
-            <a:pPr lvl="1"/>
-            <a:r>
-              <a:rPr lang="en-US" sz="2600" dirty="0" smtClean="0"/>
-              <a:t>No unchecked exceptions are allowed to be thrown from within the static initializer block.</a:t>
-            </a:r>
-          </a:p>
-          <a:p>
-            <a:pPr lvl="1"/>
-            <a:r>
-              <a:rPr lang="en-US" sz="2600" dirty="0" smtClean="0"/>
-              <a:t>Checked exceptions must be handled within the body of the static initializer block and are not allowed to be propagated further.</a:t>
+              <a:t>This is  a common place to close any open database connection or file streams or other common tasks like setting objects to null, resetting any value etc. This block ideally contains code that is used for cleaning up affairs.</a:t>
             </a:r>
           </a:p>
         </p:txBody>
@@ -5763,7 +5772,7 @@
           <p:cNvPr id="4" name="Slide Number Placeholder 3">
             <a:extLst>
               <a:ext uri="{FF2B5EF4-FFF2-40B4-BE49-F238E27FC236}">
-                <a16:creationId xmlns:a16="http://schemas.microsoft.com/office/drawing/2014/main" xmlns="" id="{62B4CE3A-8C88-45AA-A849-57E5A7AC22C1}"/>
+                <a16:creationId xmlns="" xmlns:a16="http://schemas.microsoft.com/office/drawing/2014/main" id="{62B4CE3A-8C88-45AA-A849-57E5A7AC22C1}"/>
               </a:ext>
             </a:extLst>
           </p:cNvPr>
@@ -5802,10 +5811,10 @@
           <p:cNvPr id="11" name="Rectangle 10">
             <a:extLst>
               <a:ext uri="{FF2B5EF4-FFF2-40B4-BE49-F238E27FC236}">
-                <a16:creationId xmlns:a16="http://schemas.microsoft.com/office/drawing/2014/main" xmlns="" id="{5F253864-26FA-4AB1-9F0A-4F57D870EE85}"/>
+                <a16:creationId xmlns="" xmlns:a16="http://schemas.microsoft.com/office/drawing/2014/main" id="{5F253864-26FA-4AB1-9F0A-4F57D870EE85}"/>
               </a:ext>
               <a:ext uri="{C183D7F6-B498-43B3-948B-1728B52AA6E4}">
-                <adec:decorative xmlns="" xmlns:adec="http://schemas.microsoft.com/office/drawing/2017/decorative" val="1"/>
+                <adec:decorative xmlns:adec="http://schemas.microsoft.com/office/drawing/2017/decorative" xmlns="" val="1"/>
               </a:ext>
             </a:extLst>
           </p:cNvPr>
@@ -5858,7 +5867,7 @@
     </p:spTree>
     <p:extLst>
       <p:ext uri="{BB962C8B-B14F-4D97-AF65-F5344CB8AC3E}">
-        <p14:creationId xmlns:p14="http://schemas.microsoft.com/office/powerpoint/2010/main" xmlns="" val="2291679552"/>
+        <p14:creationId xmlns="" xmlns:p14="http://schemas.microsoft.com/office/powerpoint/2010/main" val="2322328032"/>
       </p:ext>
     </p:extLst>
   </p:cSld>
@@ -5897,7 +5906,7 @@
           <p:cNvPr id="2" name="Title 1">
             <a:extLst>
               <a:ext uri="{FF2B5EF4-FFF2-40B4-BE49-F238E27FC236}">
-                <a16:creationId xmlns:a16="http://schemas.microsoft.com/office/drawing/2014/main" xmlns="" id="{E199600F-A17E-4354-A7AB-0CC2A43A9354}"/>
+                <a16:creationId xmlns="" xmlns:a16="http://schemas.microsoft.com/office/drawing/2014/main" id="{E199600F-A17E-4354-A7AB-0CC2A43A9354}"/>
               </a:ext>
             </a:extLst>
           </p:cNvPr>
@@ -5921,7 +5930,7 @@
             <a:pPr algn="ctr"/>
             <a:r>
               <a:rPr lang="en-US" sz="3600" dirty="0" smtClean="0"/>
-              <a:t>Exceptions in Initializers</a:t>
+              <a:t>Exceptions in Static Initializers</a:t>
             </a:r>
             <a:endParaRPr lang="en-US" sz="3600" dirty="0"/>
           </a:p>
@@ -5932,7 +5941,7 @@
           <p:cNvPr id="3" name="Content Placeholder 2">
             <a:extLst>
               <a:ext uri="{FF2B5EF4-FFF2-40B4-BE49-F238E27FC236}">
-                <a16:creationId xmlns:a16="http://schemas.microsoft.com/office/drawing/2014/main" xmlns="" id="{FA6A4B49-27C8-46B6-8B11-AD7E8F615E2C}"/>
+                <a16:creationId xmlns="" xmlns:a16="http://schemas.microsoft.com/office/drawing/2014/main" id="{FA6A4B49-27C8-46B6-8B11-AD7E8F615E2C}"/>
               </a:ext>
             </a:extLst>
           </p:cNvPr>
@@ -5951,10 +5960,13 @@
         </p:spPr>
         <p:txBody>
           <a:bodyPr>
-            <a:normAutofit fontScale="92500" lnSpcReduction="10000"/>
+            <a:normAutofit/>
           </a:bodyPr>
           <a:lstStyle/>
           <a:p>
+            <a:endParaRPr lang="en-US" sz="2800" dirty="0" smtClean="0"/>
+          </a:p>
+          <a:p>
             <a:r>
               <a:rPr lang="en-US" sz="2800" dirty="0" smtClean="0"/>
               <a:t>Static Initializers are the piece of code that are called when the class is loaded by the JVM for the first time.</a:t>
@@ -5986,16 +5998,6 @@
               <a:t>Checked exceptions must be handled within the body of the static initializer block and are not allowed to be propagated further.</a:t>
             </a:r>
           </a:p>
-          <a:p>
-            <a:r>
-              <a:rPr lang="en-US" sz="2800" dirty="0" smtClean="0"/>
-              <a:t>In case of Instance initializer, programmer does have a way to handle the exceptions via the constructors. Hence the instance initializer can throw checked exceptions provided the constructor provides a throws clause listing the same exception there.</a:t>
-            </a:r>
-            <a:endParaRPr lang="en-US" sz="2800" dirty="0"/>
-          </a:p>
-          <a:p>
-            <a:endParaRPr lang="en-US" sz="2800" dirty="0" smtClean="0"/>
-          </a:p>
         </p:txBody>
       </p:sp>
       <p:sp>
@@ -6003,7 +6005,7 @@
           <p:cNvPr id="4" name="Slide Number Placeholder 3">
             <a:extLst>
               <a:ext uri="{FF2B5EF4-FFF2-40B4-BE49-F238E27FC236}">
-                <a16:creationId xmlns:a16="http://schemas.microsoft.com/office/drawing/2014/main" xmlns="" id="{62B4CE3A-8C88-45AA-A849-57E5A7AC22C1}"/>
+                <a16:creationId xmlns="" xmlns:a16="http://schemas.microsoft.com/office/drawing/2014/main" id="{62B4CE3A-8C88-45AA-A849-57E5A7AC22C1}"/>
               </a:ext>
             </a:extLst>
           </p:cNvPr>
@@ -6042,10 +6044,10 @@
           <p:cNvPr id="11" name="Rectangle 10">
             <a:extLst>
               <a:ext uri="{FF2B5EF4-FFF2-40B4-BE49-F238E27FC236}">
-                <a16:creationId xmlns:a16="http://schemas.microsoft.com/office/drawing/2014/main" xmlns="" id="{5F253864-26FA-4AB1-9F0A-4F57D870EE85}"/>
+                <a16:creationId xmlns="" xmlns:a16="http://schemas.microsoft.com/office/drawing/2014/main" id="{5F253864-26FA-4AB1-9F0A-4F57D870EE85}"/>
               </a:ext>
               <a:ext uri="{C183D7F6-B498-43B3-948B-1728B52AA6E4}">
-                <adec:decorative xmlns="" xmlns:adec="http://schemas.microsoft.com/office/drawing/2017/decorative" val="1"/>
+                <adec:decorative xmlns:adec="http://schemas.microsoft.com/office/drawing/2017/decorative" xmlns="" val="1"/>
               </a:ext>
             </a:extLst>
           </p:cNvPr>
@@ -6098,7 +6100,7 @@
     </p:spTree>
     <p:extLst>
       <p:ext uri="{BB962C8B-B14F-4D97-AF65-F5344CB8AC3E}">
-        <p14:creationId xmlns:p14="http://schemas.microsoft.com/office/powerpoint/2010/main" xmlns="" val="3057752647"/>
+        <p14:creationId xmlns="" xmlns:p14="http://schemas.microsoft.com/office/powerpoint/2010/main" val="2291679552"/>
       </p:ext>
     </p:extLst>
   </p:cSld>
@@ -6137,7 +6139,7 @@
           <p:cNvPr id="2" name="Title 1">
             <a:extLst>
               <a:ext uri="{FF2B5EF4-FFF2-40B4-BE49-F238E27FC236}">
-                <a16:creationId xmlns:a16="http://schemas.microsoft.com/office/drawing/2014/main" xmlns="" id="{E199600F-A17E-4354-A7AB-0CC2A43A9354}"/>
+                <a16:creationId xmlns="" xmlns:a16="http://schemas.microsoft.com/office/drawing/2014/main" id="{E199600F-A17E-4354-A7AB-0CC2A43A9354}"/>
               </a:ext>
             </a:extLst>
           </p:cNvPr>
@@ -6161,7 +6163,7 @@
             <a:pPr algn="ctr"/>
             <a:r>
               <a:rPr lang="en-US" sz="3600" dirty="0" smtClean="0"/>
-              <a:t>Other Points</a:t>
+              <a:t>Exceptions in Initializers</a:t>
             </a:r>
             <a:endParaRPr lang="en-US" sz="3600" dirty="0"/>
           </a:p>
@@ -6172,7 +6174,7 @@
           <p:cNvPr id="3" name="Content Placeholder 2">
             <a:extLst>
               <a:ext uri="{FF2B5EF4-FFF2-40B4-BE49-F238E27FC236}">
-                <a16:creationId xmlns:a16="http://schemas.microsoft.com/office/drawing/2014/main" xmlns="" id="{FA6A4B49-27C8-46B6-8B11-AD7E8F615E2C}"/>
+                <a16:creationId xmlns="" xmlns:a16="http://schemas.microsoft.com/office/drawing/2014/main" id="{FA6A4B49-27C8-46B6-8B11-AD7E8F615E2C}"/>
               </a:ext>
             </a:extLst>
           </p:cNvPr>
@@ -6191,47 +6193,51 @@
         </p:spPr>
         <p:txBody>
           <a:bodyPr>
-            <a:normAutofit fontScale="92500"/>
+            <a:normAutofit fontScale="92500" lnSpcReduction="10000"/>
           </a:bodyPr>
           <a:lstStyle/>
           <a:p>
             <a:r>
               <a:rPr lang="en-US" sz="2800" dirty="0" smtClean="0"/>
-              <a:t>Exceptions in a constructor are no different than any other method except for one case which is in the case of super-sub class relationship.</a:t>
+              <a:t>Static Initializers are the piece of code that are called when the class is loaded by the JVM for the first time.</a:t>
             </a:r>
           </a:p>
           <a:p>
             <a:r>
               <a:rPr lang="en-US" sz="2800" dirty="0" smtClean="0"/>
-              <a:t>If the super class constructor declares an exception in the throws clause then the subclass must also declare in its throws clause an exception of same class or higher.</a:t>
+              <a:t>There is no application code that directly invokes it.</a:t>
             </a:r>
           </a:p>
           <a:p>
             <a:r>
               <a:rPr lang="en-US" sz="2800" dirty="0" smtClean="0"/>
-              <a:t>Normally we should handle all the exceptions and do something in  catch block to recover from it like log the exception or print the tack trace.</a:t>
+              <a:t>As a result following applies to static initializers : </a:t>
+            </a:r>
+          </a:p>
+          <a:p>
+            <a:pPr lvl="1"/>
+            <a:r>
+              <a:rPr lang="en-US" sz="2600" dirty="0" smtClean="0"/>
+              <a:t>No unchecked exceptions are allowed to be thrown from within the static initializer block.</a:t>
+            </a:r>
+          </a:p>
+          <a:p>
+            <a:pPr lvl="1"/>
+            <a:r>
+              <a:rPr lang="en-US" sz="2600" dirty="0" smtClean="0"/>
+              <a:t>Checked exceptions must be handled within the body of the static initializer block and are not allowed to be propagated further.</a:t>
             </a:r>
           </a:p>
           <a:p>
             <a:r>
               <a:rPr lang="en-US" sz="2800" dirty="0" smtClean="0"/>
-              <a:t>Try block can be nested within another try block.</a:t>
-            </a:r>
-          </a:p>
-          <a:p>
-            <a:r>
-              <a:rPr lang="en-US" sz="2800" dirty="0" smtClean="0"/>
-              <a:t>Exception can also be thrown from a catch or </a:t>
-            </a:r>
-            <a:r>
-              <a:rPr lang="en-US" sz="2800" smtClean="0"/>
-              <a:t>finally block.</a:t>
-            </a:r>
+              <a:t>In case of Instance initializer, programmer does have a way to handle the exceptions via the constructors. Hence the instance initializer can throw checked exceptions provided the constructor provides a throws clause listing the same exception there.</a:t>
+            </a:r>
+            <a:endParaRPr lang="en-US" sz="2800" dirty="0"/>
+          </a:p>
+          <a:p>
             <a:endParaRPr lang="en-US" sz="2800" dirty="0" smtClean="0"/>
           </a:p>
-          <a:p>
-            <a:endParaRPr lang="en-US" sz="2800" dirty="0" smtClean="0"/>
-          </a:p>
         </p:txBody>
       </p:sp>
       <p:sp>
@@ -6239,7 +6245,7 @@
           <p:cNvPr id="4" name="Slide Number Placeholder 3">
             <a:extLst>
               <a:ext uri="{FF2B5EF4-FFF2-40B4-BE49-F238E27FC236}">
-                <a16:creationId xmlns:a16="http://schemas.microsoft.com/office/drawing/2014/main" xmlns="" id="{62B4CE3A-8C88-45AA-A849-57E5A7AC22C1}"/>
+                <a16:creationId xmlns="" xmlns:a16="http://schemas.microsoft.com/office/drawing/2014/main" id="{62B4CE3A-8C88-45AA-A849-57E5A7AC22C1}"/>
               </a:ext>
             </a:extLst>
           </p:cNvPr>
@@ -6278,10 +6284,10 @@
           <p:cNvPr id="11" name="Rectangle 10">
             <a:extLst>
               <a:ext uri="{FF2B5EF4-FFF2-40B4-BE49-F238E27FC236}">
-                <a16:creationId xmlns:a16="http://schemas.microsoft.com/office/drawing/2014/main" xmlns="" id="{5F253864-26FA-4AB1-9F0A-4F57D870EE85}"/>
+                <a16:creationId xmlns="" xmlns:a16="http://schemas.microsoft.com/office/drawing/2014/main" id="{5F253864-26FA-4AB1-9F0A-4F57D870EE85}"/>
               </a:ext>
               <a:ext uri="{C183D7F6-B498-43B3-948B-1728B52AA6E4}">
-                <adec:decorative xmlns="" xmlns:adec="http://schemas.microsoft.com/office/drawing/2017/decorative" val="1"/>
+                <adec:decorative xmlns:adec="http://schemas.microsoft.com/office/drawing/2017/decorative" xmlns="" val="1"/>
               </a:ext>
             </a:extLst>
           </p:cNvPr>
@@ -6334,7 +6340,7 @@
     </p:spTree>
     <p:extLst>
       <p:ext uri="{BB962C8B-B14F-4D97-AF65-F5344CB8AC3E}">
-        <p14:creationId xmlns:p14="http://schemas.microsoft.com/office/powerpoint/2010/main" xmlns="" val="2549937363"/>
+        <p14:creationId xmlns="" xmlns:p14="http://schemas.microsoft.com/office/powerpoint/2010/main" val="3057752647"/>
       </p:ext>
     </p:extLst>
   </p:cSld>
@@ -6373,7 +6379,7 @@
           <p:cNvPr id="2" name="Title 1">
             <a:extLst>
               <a:ext uri="{FF2B5EF4-FFF2-40B4-BE49-F238E27FC236}">
-                <a16:creationId xmlns:a16="http://schemas.microsoft.com/office/drawing/2014/main" xmlns="" id="{E199600F-A17E-4354-A7AB-0CC2A43A9354}"/>
+                <a16:creationId xmlns="" xmlns:a16="http://schemas.microsoft.com/office/drawing/2014/main" id="{E199600F-A17E-4354-A7AB-0CC2A43A9354}"/>
               </a:ext>
             </a:extLst>
           </p:cNvPr>
@@ -6386,8 +6392,8 @@
         </p:nvSpPr>
         <p:spPr>
           <a:xfrm>
-            <a:off x="838199" y="611079"/>
-            <a:ext cx="10515600" cy="833663"/>
+            <a:off x="838199" y="641857"/>
+            <a:ext cx="10515600" cy="772107"/>
           </a:xfrm>
         </p:spPr>
         <p:txBody>
@@ -6396,10 +6402,10 @@
           <a:p>
             <a:pPr algn="ctr"/>
             <a:r>
-              <a:rPr lang="en-US" dirty="0" smtClean="0"/>
-              <a:t>Checked &amp; Unchecked Exceptions</a:t>
-            </a:r>
-            <a:endParaRPr lang="en-US" dirty="0"/>
+              <a:rPr lang="en-US" sz="3600" dirty="0" smtClean="0"/>
+              <a:t>Other Points</a:t>
+            </a:r>
+            <a:endParaRPr lang="en-US" sz="3600" dirty="0"/>
           </a:p>
         </p:txBody>
       </p:sp>
@@ -6408,7 +6414,7 @@
           <p:cNvPr id="3" name="Content Placeholder 2">
             <a:extLst>
               <a:ext uri="{FF2B5EF4-FFF2-40B4-BE49-F238E27FC236}">
-                <a16:creationId xmlns:a16="http://schemas.microsoft.com/office/drawing/2014/main" xmlns="" id="{FA6A4B49-27C8-46B6-8B11-AD7E8F615E2C}"/>
+                <a16:creationId xmlns="" xmlns:a16="http://schemas.microsoft.com/office/drawing/2014/main" id="{FA6A4B49-27C8-46B6-8B11-AD7E8F615E2C}"/>
               </a:ext>
             </a:extLst>
           </p:cNvPr>
@@ -6422,40 +6428,51 @@
         <p:spPr>
           <a:xfrm>
             <a:off x="838199" y="1825625"/>
-            <a:ext cx="6689437" cy="4351338"/>
+            <a:ext cx="10515599" cy="4351338"/>
           </a:xfrm>
         </p:spPr>
         <p:txBody>
           <a:bodyPr>
-            <a:normAutofit/>
+            <a:normAutofit fontScale="92500"/>
           </a:bodyPr>
           <a:lstStyle/>
           <a:p>
             <a:r>
-              <a:rPr lang="en-US" dirty="0" smtClean="0"/>
-              <a:t>All exception classes except those under Error &amp; </a:t>
-            </a:r>
-            <a:r>
-              <a:rPr lang="en-US" dirty="0" err="1" smtClean="0"/>
-              <a:t>RuntimeException</a:t>
-            </a:r>
-            <a:r>
-              <a:rPr lang="en-US" dirty="0" smtClean="0"/>
-              <a:t> are referred to as Checked exceptions. Any user defined exception that extends from these is also a checked exception.</a:t>
-            </a:r>
-          </a:p>
-          <a:p>
-            <a:r>
-              <a:rPr lang="en-US" noProof="1" smtClean="0"/>
-              <a:t>Checked exceptions are those for which the compiler forces the caller to handle the exception explicity. These are those exceptions for which compiler thinks that the caller can successfully recover from.</a:t>
-            </a:r>
-          </a:p>
-          <a:p>
-            <a:r>
-              <a:rPr lang="en-US" noProof="1" smtClean="0"/>
-              <a:t>On the other hand unchecked exceptions are those that compiler wont asks the caller to handle explicitly nd it will be on the diecretion of the programmer to handle them.</a:t>
-            </a:r>
-            <a:endParaRPr lang="en-US" noProof="1"/>
+              <a:rPr lang="en-US" sz="2800" dirty="0" smtClean="0"/>
+              <a:t>Exceptions in a constructor are no different than any other method except for one case which is in the case of super-sub class relationship.</a:t>
+            </a:r>
+          </a:p>
+          <a:p>
+            <a:r>
+              <a:rPr lang="en-US" sz="2800" dirty="0" smtClean="0"/>
+              <a:t>If the super class constructor declares an exception in the throws clause then the subclass must also declare in its throws clause an exception of same class or higher.</a:t>
+            </a:r>
+          </a:p>
+          <a:p>
+            <a:r>
+              <a:rPr lang="en-US" sz="2800" dirty="0" smtClean="0"/>
+              <a:t>Normally we should handle all the exceptions and do something in  catch block to recover from it like log the exception or print the tack trace.</a:t>
+            </a:r>
+          </a:p>
+          <a:p>
+            <a:r>
+              <a:rPr lang="en-US" sz="2800" dirty="0" smtClean="0"/>
+              <a:t>Try block can be nested within another try block.</a:t>
+            </a:r>
+          </a:p>
+          <a:p>
+            <a:r>
+              <a:rPr lang="en-US" sz="2800" dirty="0" smtClean="0"/>
+              <a:t>Exception can also be thrown from a catch or </a:t>
+            </a:r>
+            <a:r>
+              <a:rPr lang="en-US" sz="2800" smtClean="0"/>
+              <a:t>finally block.</a:t>
+            </a:r>
+            <a:endParaRPr lang="en-US" sz="2800" dirty="0" smtClean="0"/>
+          </a:p>
+          <a:p>
+            <a:endParaRPr lang="en-US" sz="2800" dirty="0" smtClean="0"/>
           </a:p>
         </p:txBody>
       </p:sp>
@@ -6464,7 +6481,7 @@
           <p:cNvPr id="4" name="Slide Number Placeholder 3">
             <a:extLst>
               <a:ext uri="{FF2B5EF4-FFF2-40B4-BE49-F238E27FC236}">
-                <a16:creationId xmlns:a16="http://schemas.microsoft.com/office/drawing/2014/main" xmlns="" id="{62B4CE3A-8C88-45AA-A849-57E5A7AC22C1}"/>
+                <a16:creationId xmlns="" xmlns:a16="http://schemas.microsoft.com/office/drawing/2014/main" id="{62B4CE3A-8C88-45AA-A849-57E5A7AC22C1}"/>
               </a:ext>
             </a:extLst>
           </p:cNvPr>
@@ -6503,10 +6520,10 @@
           <p:cNvPr id="11" name="Rectangle 10">
             <a:extLst>
               <a:ext uri="{FF2B5EF4-FFF2-40B4-BE49-F238E27FC236}">
-                <a16:creationId xmlns:a16="http://schemas.microsoft.com/office/drawing/2014/main" xmlns="" id="{5F253864-26FA-4AB1-9F0A-4F57D870EE85}"/>
+                <a16:creationId xmlns="" xmlns:a16="http://schemas.microsoft.com/office/drawing/2014/main" id="{5F253864-26FA-4AB1-9F0A-4F57D870EE85}"/>
               </a:ext>
               <a:ext uri="{C183D7F6-B498-43B3-948B-1728B52AA6E4}">
-                <adec:decorative xmlns="" xmlns:adec="http://schemas.microsoft.com/office/drawing/2017/decorative" val="1"/>
+                <adec:decorative xmlns:adec="http://schemas.microsoft.com/office/drawing/2017/decorative" xmlns="" val="1"/>
               </a:ext>
             </a:extLst>
           </p:cNvPr>
@@ -6556,51 +6573,10 @@
           </a:p>
         </p:txBody>
       </p:sp>
-      <p:pic>
-        <p:nvPicPr>
-          <p:cNvPr id="8" name="Picture 10" descr="Java - Exceptions - Tutorialspoint"/>
-          <p:cNvPicPr>
-            <a:picLocks noChangeAspect="1" noChangeArrowheads="1"/>
-          </p:cNvPicPr>
-          <p:nvPr/>
-        </p:nvPicPr>
-        <p:blipFill>
-          <a:blip r:embed="rId2">
-            <a:extLst>
-              <a:ext uri="{28A0092B-C50C-407E-A947-70E740481C1C}">
-                <a14:useLocalDpi xmlns:a14="http://schemas.microsoft.com/office/drawing/2010/main" xmlns="" val="0"/>
-              </a:ext>
-            </a:extLst>
-          </a:blip>
-          <a:srcRect/>
-          <a:stretch>
-            <a:fillRect/>
-          </a:stretch>
-        </p:blipFill>
-        <p:spPr bwMode="auto">
-          <a:xfrm>
-            <a:off x="7924800" y="1978891"/>
-            <a:ext cx="3428998" cy="4198072"/>
-          </a:xfrm>
-          <a:prstGeom prst="rect">
-            <a:avLst/>
-          </a:prstGeom>
-          <a:noFill/>
-          <a:extLst>
-            <a:ext uri="{909E8E84-426E-40DD-AFC4-6F175D3DCCD1}">
-              <a14:hiddenFill xmlns:a14="http://schemas.microsoft.com/office/drawing/2010/main" xmlns="">
-                <a:solidFill>
-                  <a:srgbClr val="FFFFFF"/>
-                </a:solidFill>
-              </a14:hiddenFill>
-            </a:ext>
-          </a:extLst>
-        </p:spPr>
-      </p:pic>
     </p:spTree>
     <p:extLst>
       <p:ext uri="{BB962C8B-B14F-4D97-AF65-F5344CB8AC3E}">
-        <p14:creationId xmlns:p14="http://schemas.microsoft.com/office/powerpoint/2010/main" xmlns="" val="3546705181"/>
+        <p14:creationId xmlns="" xmlns:p14="http://schemas.microsoft.com/office/powerpoint/2010/main" val="2549937363"/>
       </p:ext>
     </p:extLst>
   </p:cSld>
@@ -6639,7 +6615,7 @@
           <p:cNvPr id="2" name="Title 1">
             <a:extLst>
               <a:ext uri="{FF2B5EF4-FFF2-40B4-BE49-F238E27FC236}">
-                <a16:creationId xmlns:a16="http://schemas.microsoft.com/office/drawing/2014/main" xmlns="" id="{C8F58AE6-56F6-44E8-8BBF-23277B1773E4}"/>
+                <a16:creationId xmlns="" xmlns:a16="http://schemas.microsoft.com/office/drawing/2014/main" id="{E199600F-A17E-4354-A7AB-0CC2A43A9354}"/>
               </a:ext>
             </a:extLst>
           </p:cNvPr>
@@ -6650,7 +6626,12 @@
             <p:ph type="title"/>
           </p:nvPr>
         </p:nvSpPr>
-        <p:spPr/>
+        <p:spPr>
+          <a:xfrm>
+            <a:off x="838199" y="611079"/>
+            <a:ext cx="10515600" cy="833663"/>
+          </a:xfrm>
+        </p:spPr>
         <p:txBody>
           <a:bodyPr/>
           <a:lstStyle/>
@@ -6658,47 +6639,74 @@
             <a:pPr algn="ctr"/>
             <a:r>
               <a:rPr lang="en-US" dirty="0" smtClean="0"/>
-              <a:t>Questions ??</a:t>
+              <a:t>Checked &amp; Unchecked Exceptions</a:t>
             </a:r>
             <a:endParaRPr lang="en-US" dirty="0"/>
           </a:p>
         </p:txBody>
       </p:sp>
-      <p:pic>
-        <p:nvPicPr>
-          <p:cNvPr id="3" name="Content Placeholder 2"/>
-          <p:cNvPicPr>
-            <a:picLocks noGrp="1" noChangeAspect="1"/>
-          </p:cNvPicPr>
+      <p:sp>
+        <p:nvSpPr>
+          <p:cNvPr id="3" name="Content Placeholder 2">
+            <a:extLst>
+              <a:ext uri="{FF2B5EF4-FFF2-40B4-BE49-F238E27FC236}">
+                <a16:creationId xmlns="" xmlns:a16="http://schemas.microsoft.com/office/drawing/2014/main" id="{FA6A4B49-27C8-46B6-8B11-AD7E8F615E2C}"/>
+              </a:ext>
+            </a:extLst>
+          </p:cNvPr>
+          <p:cNvSpPr>
+            <a:spLocks noGrp="1"/>
+          </p:cNvSpPr>
           <p:nvPr>
             <p:ph idx="1"/>
           </p:nvPr>
-        </p:nvPicPr>
-        <p:blipFill>
-          <a:blip r:embed="rId2">
-            <a:extLst>
-              <a:ext uri="{28A0092B-C50C-407E-A947-70E740481C1C}">
-                <a14:useLocalDpi xmlns:a14="http://schemas.microsoft.com/office/drawing/2010/main" xmlns="" val="0"/>
-              </a:ext>
-            </a:extLst>
-          </a:blip>
-          <a:stretch>
-            <a:fillRect/>
-          </a:stretch>
-        </p:blipFill>
-        <p:spPr>
-          <a:xfrm>
-            <a:off x="4705350" y="1487686"/>
-            <a:ext cx="6648450" cy="3739753"/>
-          </a:xfrm>
-        </p:spPr>
-      </p:pic>
-      <p:sp>
-        <p:nvSpPr>
-          <p:cNvPr id="20" name="Slide Number Placeholder 19">
-            <a:extLst>
-              <a:ext uri="{FF2B5EF4-FFF2-40B4-BE49-F238E27FC236}">
-                <a16:creationId xmlns:a16="http://schemas.microsoft.com/office/drawing/2014/main" xmlns="" id="{3AEC0301-E9AA-4478-9E23-C372DBDCE653}"/>
+        </p:nvSpPr>
+        <p:spPr>
+          <a:xfrm>
+            <a:off x="838199" y="1825625"/>
+            <a:ext cx="6689437" cy="4351338"/>
+          </a:xfrm>
+        </p:spPr>
+        <p:txBody>
+          <a:bodyPr>
+            <a:normAutofit/>
+          </a:bodyPr>
+          <a:lstStyle/>
+          <a:p>
+            <a:r>
+              <a:rPr lang="en-US" dirty="0" smtClean="0"/>
+              <a:t>All exception classes except those under Error &amp; </a:t>
+            </a:r>
+            <a:r>
+              <a:rPr lang="en-US" dirty="0" err="1" smtClean="0"/>
+              <a:t>RuntimeException</a:t>
+            </a:r>
+            <a:r>
+              <a:rPr lang="en-US" dirty="0" smtClean="0"/>
+              <a:t> are referred to as Checked exceptions. Any user defined exception that extends from these is also a checked exception.</a:t>
+            </a:r>
+          </a:p>
+          <a:p>
+            <a:r>
+              <a:rPr lang="en-US" noProof="1" smtClean="0"/>
+              <a:t>Checked exceptions are those for which the compiler forces the caller to handle the exception explicity. These are those exceptions for which compiler thinks that the caller can successfully recover from.</a:t>
+            </a:r>
+          </a:p>
+          <a:p>
+            <a:r>
+              <a:rPr lang="en-US" noProof="1" smtClean="0"/>
+              <a:t>On the other hand unchecked exceptions are those that compiler wont asks the caller to handle explicitly nd it will be on the diecretion of the programmer to handle them.</a:t>
+            </a:r>
+            <a:endParaRPr lang="en-US" noProof="1"/>
+          </a:p>
+        </p:txBody>
+      </p:sp>
+      <p:sp>
+        <p:nvSpPr>
+          <p:cNvPr id="4" name="Slide Number Placeholder 3">
+            <a:extLst>
+              <a:ext uri="{FF2B5EF4-FFF2-40B4-BE49-F238E27FC236}">
+                <a16:creationId xmlns="" xmlns:a16="http://schemas.microsoft.com/office/drawing/2014/main" id="{62B4CE3A-8C88-45AA-A849-57E5A7AC22C1}"/>
               </a:ext>
             </a:extLst>
           </p:cNvPr>
@@ -6711,7 +6719,7 @@
         </p:nvSpPr>
         <p:spPr>
           <a:xfrm>
-            <a:off x="10717695" y="6363134"/>
+            <a:off x="11353800" y="6361475"/>
             <a:ext cx="838200" cy="360000"/>
           </a:xfrm>
         </p:spPr>
@@ -6734,13 +6742,13 @@
       </p:sp>
       <p:sp>
         <p:nvSpPr>
-          <p:cNvPr id="10" name="Isosceles Triangle 9">
-            <a:extLst>
-              <a:ext uri="{FF2B5EF4-FFF2-40B4-BE49-F238E27FC236}">
-                <a16:creationId xmlns:a16="http://schemas.microsoft.com/office/drawing/2014/main" xmlns="" id="{792980D7-ED01-4955-83DB-59BA18C94FBA}"/>
+          <p:cNvPr id="11" name="Rectangle 10">
+            <a:extLst>
+              <a:ext uri="{FF2B5EF4-FFF2-40B4-BE49-F238E27FC236}">
+                <a16:creationId xmlns="" xmlns:a16="http://schemas.microsoft.com/office/drawing/2014/main" id="{5F253864-26FA-4AB1-9F0A-4F57D870EE85}"/>
               </a:ext>
               <a:ext uri="{C183D7F6-B498-43B3-948B-1728B52AA6E4}">
-                <adec:decorative xmlns="" xmlns:adec="http://schemas.microsoft.com/office/drawing/2017/decorative" val="1"/>
+                <adec:decorative xmlns:adec="http://schemas.microsoft.com/office/drawing/2017/decorative" xmlns="" val="1"/>
               </a:ext>
             </a:extLst>
           </p:cNvPr>
@@ -6748,15 +6756,18 @@
           <p:nvPr/>
         </p:nvSpPr>
         <p:spPr>
-          <a:xfrm rot="10800000">
-            <a:off x="10006315" y="6271566"/>
-            <a:ext cx="142847" cy="91567"/>
-          </a:xfrm>
-          <a:prstGeom prst="triangle">
+          <a:xfrm>
+            <a:off x="6249555" y="6562004"/>
+            <a:ext cx="2552123" cy="159471"/>
+          </a:xfrm>
+          <a:prstGeom prst="rect">
             <a:avLst/>
           </a:prstGeom>
           <a:solidFill>
-            <a:schemeClr val="bg1"/>
+            <a:schemeClr val="tx1">
+              <a:lumMod val="85000"/>
+              <a:lumOff val="15000"/>
+            </a:schemeClr>
           </a:solidFill>
           <a:ln>
             <a:noFill/>
@@ -6779,6 +6790,237 @@
           </a:fontRef>
         </p:style>
         <p:txBody>
+          <a:bodyPr anchor="ctr"/>
+          <a:lstStyle/>
+          <a:p>
+            <a:pPr algn="ctr"/>
+            <a:endParaRPr lang="en-US" sz="1200" dirty="0"/>
+          </a:p>
+        </p:txBody>
+      </p:sp>
+      <p:pic>
+        <p:nvPicPr>
+          <p:cNvPr id="8" name="Picture 10" descr="Java - Exceptions - Tutorialspoint"/>
+          <p:cNvPicPr>
+            <a:picLocks noChangeAspect="1" noChangeArrowheads="1"/>
+          </p:cNvPicPr>
+          <p:nvPr/>
+        </p:nvPicPr>
+        <p:blipFill>
+          <a:blip r:embed="rId2">
+            <a:extLst>
+              <a:ext uri="{28A0092B-C50C-407E-A947-70E740481C1C}">
+                <a14:useLocalDpi xmlns="" xmlns:a14="http://schemas.microsoft.com/office/drawing/2010/main" val="0"/>
+              </a:ext>
+            </a:extLst>
+          </a:blip>
+          <a:srcRect/>
+          <a:stretch>
+            <a:fillRect/>
+          </a:stretch>
+        </p:blipFill>
+        <p:spPr bwMode="auto">
+          <a:xfrm>
+            <a:off x="7924800" y="1978891"/>
+            <a:ext cx="3428998" cy="4198072"/>
+          </a:xfrm>
+          <a:prstGeom prst="rect">
+            <a:avLst/>
+          </a:prstGeom>
+          <a:noFill/>
+          <a:extLst>
+            <a:ext uri="{909E8E84-426E-40DD-AFC4-6F175D3DCCD1}">
+              <a14:hiddenFill xmlns="" xmlns:a14="http://schemas.microsoft.com/office/drawing/2010/main">
+                <a:solidFill>
+                  <a:srgbClr val="FFFFFF"/>
+                </a:solidFill>
+              </a14:hiddenFill>
+            </a:ext>
+          </a:extLst>
+        </p:spPr>
+      </p:pic>
+    </p:spTree>
+    <p:extLst>
+      <p:ext uri="{BB962C8B-B14F-4D97-AF65-F5344CB8AC3E}">
+        <p14:creationId xmlns="" xmlns:p14="http://schemas.microsoft.com/office/powerpoint/2010/main" val="3546705181"/>
+      </p:ext>
+    </p:extLst>
+  </p:cSld>
+  <p:clrMapOvr>
+    <a:masterClrMapping/>
+  </p:clrMapOvr>
+  <p:timing>
+    <p:tnLst>
+      <p:par>
+        <p:cTn id="1" dur="indefinite" restart="never" nodeType="tmRoot"/>
+      </p:par>
+    </p:tnLst>
+  </p:timing>
+</p:sld>
+</file>
+
+<file path=ppt/slides/slide19.xml><?xml version="1.0" encoding="utf-8"?>
+<p:sld xmlns:a="http://schemas.openxmlformats.org/drawingml/2006/main" xmlns:r="http://schemas.openxmlformats.org/officeDocument/2006/relationships" xmlns:p="http://schemas.openxmlformats.org/presentationml/2006/main">
+  <p:cSld>
+    <p:spTree>
+      <p:nvGrpSpPr>
+        <p:cNvPr id="1" name=""/>
+        <p:cNvGrpSpPr/>
+        <p:nvPr/>
+      </p:nvGrpSpPr>
+      <p:grpSpPr>
+        <a:xfrm>
+          <a:off x="0" y="0"/>
+          <a:ext cx="0" cy="0"/>
+          <a:chOff x="0" y="0"/>
+          <a:chExt cx="0" cy="0"/>
+        </a:xfrm>
+      </p:grpSpPr>
+      <p:sp>
+        <p:nvSpPr>
+          <p:cNvPr id="2" name="Title 1">
+            <a:extLst>
+              <a:ext uri="{FF2B5EF4-FFF2-40B4-BE49-F238E27FC236}">
+                <a16:creationId xmlns="" xmlns:a16="http://schemas.microsoft.com/office/drawing/2014/main" id="{C8F58AE6-56F6-44E8-8BBF-23277B1773E4}"/>
+              </a:ext>
+            </a:extLst>
+          </p:cNvPr>
+          <p:cNvSpPr>
+            <a:spLocks noGrp="1"/>
+          </p:cNvSpPr>
+          <p:nvPr>
+            <p:ph type="title"/>
+          </p:nvPr>
+        </p:nvSpPr>
+        <p:spPr/>
+        <p:txBody>
+          <a:bodyPr/>
+          <a:lstStyle/>
+          <a:p>
+            <a:pPr algn="ctr"/>
+            <a:r>
+              <a:rPr lang="en-US" dirty="0" smtClean="0"/>
+              <a:t>Questions ??</a:t>
+            </a:r>
+            <a:endParaRPr lang="en-US" dirty="0"/>
+          </a:p>
+        </p:txBody>
+      </p:sp>
+      <p:pic>
+        <p:nvPicPr>
+          <p:cNvPr id="3" name="Content Placeholder 2"/>
+          <p:cNvPicPr>
+            <a:picLocks noGrp="1" noChangeAspect="1"/>
+          </p:cNvPicPr>
+          <p:nvPr>
+            <p:ph idx="1"/>
+          </p:nvPr>
+        </p:nvPicPr>
+        <p:blipFill>
+          <a:blip r:embed="rId2">
+            <a:extLst>
+              <a:ext uri="{28A0092B-C50C-407E-A947-70E740481C1C}">
+                <a14:useLocalDpi xmlns="" xmlns:a14="http://schemas.microsoft.com/office/drawing/2010/main" val="0"/>
+              </a:ext>
+            </a:extLst>
+          </a:blip>
+          <a:stretch>
+            <a:fillRect/>
+          </a:stretch>
+        </p:blipFill>
+        <p:spPr>
+          <a:xfrm>
+            <a:off x="4705350" y="1487686"/>
+            <a:ext cx="6648450" cy="3739753"/>
+          </a:xfrm>
+        </p:spPr>
+      </p:pic>
+      <p:sp>
+        <p:nvSpPr>
+          <p:cNvPr id="20" name="Slide Number Placeholder 19">
+            <a:extLst>
+              <a:ext uri="{FF2B5EF4-FFF2-40B4-BE49-F238E27FC236}">
+                <a16:creationId xmlns="" xmlns:a16="http://schemas.microsoft.com/office/drawing/2014/main" id="{3AEC0301-E9AA-4478-9E23-C372DBDCE653}"/>
+              </a:ext>
+            </a:extLst>
+          </p:cNvPr>
+          <p:cNvSpPr>
+            <a:spLocks noGrp="1"/>
+          </p:cNvSpPr>
+          <p:nvPr>
+            <p:ph type="sldNum" sz="quarter" idx="10"/>
+          </p:nvPr>
+        </p:nvSpPr>
+        <p:spPr>
+          <a:xfrm>
+            <a:off x="10717695" y="6363134"/>
+            <a:ext cx="838200" cy="360000"/>
+          </a:xfrm>
+        </p:spPr>
+        <p:txBody>
+          <a:bodyPr/>
+          <a:lstStyle/>
+          <a:p>
+            <a:r>
+              <a:rPr lang="en-US" dirty="0"/>
+              <a:t>PAGE </a:t>
+            </a:r>
+            <a:fld id="{4A9B5881-4007-4345-955A-79C2656F0C49}" type="slidenum">
+              <a:rPr lang="en-US" smtClean="0"/>
+              <a:pPr/>
+              <a:t>19</a:t>
+            </a:fld>
+            <a:endParaRPr lang="en-US" dirty="0"/>
+          </a:p>
+        </p:txBody>
+      </p:sp>
+      <p:sp>
+        <p:nvSpPr>
+          <p:cNvPr id="10" name="Isosceles Triangle 9">
+            <a:extLst>
+              <a:ext uri="{FF2B5EF4-FFF2-40B4-BE49-F238E27FC236}">
+                <a16:creationId xmlns="" xmlns:a16="http://schemas.microsoft.com/office/drawing/2014/main" id="{792980D7-ED01-4955-83DB-59BA18C94FBA}"/>
+              </a:ext>
+              <a:ext uri="{C183D7F6-B498-43B3-948B-1728B52AA6E4}">
+                <adec:decorative xmlns:adec="http://schemas.microsoft.com/office/drawing/2017/decorative" xmlns="" val="1"/>
+              </a:ext>
+            </a:extLst>
+          </p:cNvPr>
+          <p:cNvSpPr/>
+          <p:nvPr/>
+        </p:nvSpPr>
+        <p:spPr>
+          <a:xfrm rot="10800000">
+            <a:off x="10006315" y="6271566"/>
+            <a:ext cx="142847" cy="91567"/>
+          </a:xfrm>
+          <a:prstGeom prst="triangle">
+            <a:avLst/>
+          </a:prstGeom>
+          <a:solidFill>
+            <a:schemeClr val="bg1"/>
+          </a:solidFill>
+          <a:ln>
+            <a:noFill/>
+          </a:ln>
+        </p:spPr>
+        <p:style>
+          <a:lnRef idx="2">
+            <a:schemeClr val="accent1">
+              <a:shade val="50000"/>
+            </a:schemeClr>
+          </a:lnRef>
+          <a:fillRef idx="1">
+            <a:schemeClr val="accent1"/>
+          </a:fillRef>
+          <a:effectRef idx="0">
+            <a:schemeClr val="accent1"/>
+          </a:effectRef>
+          <a:fontRef idx="minor">
+            <a:schemeClr val="lt1"/>
+          </a:fontRef>
+        </p:style>
+        <p:txBody>
           <a:bodyPr rtlCol="0" anchor="ctr"/>
           <a:lstStyle/>
           <a:p>
@@ -6818,7 +7060,7 @@
     </p:spTree>
     <p:extLst>
       <p:ext uri="{BB962C8B-B14F-4D97-AF65-F5344CB8AC3E}">
-        <p14:creationId xmlns:p14="http://schemas.microsoft.com/office/powerpoint/2010/main" xmlns="" val="1704949556"/>
+        <p14:creationId xmlns="" xmlns:p14="http://schemas.microsoft.com/office/powerpoint/2010/main" val="1704949556"/>
       </p:ext>
     </p:extLst>
   </p:cSld>
@@ -6857,7 +7099,7 @@
           <p:cNvPr id="2" name="Title 1">
             <a:extLst>
               <a:ext uri="{FF2B5EF4-FFF2-40B4-BE49-F238E27FC236}">
-                <a16:creationId xmlns:a16="http://schemas.microsoft.com/office/drawing/2014/main" xmlns="" id="{E199600F-A17E-4354-A7AB-0CC2A43A9354}"/>
+                <a16:creationId xmlns="" xmlns:a16="http://schemas.microsoft.com/office/drawing/2014/main" id="{E199600F-A17E-4354-A7AB-0CC2A43A9354}"/>
               </a:ext>
             </a:extLst>
           </p:cNvPr>
@@ -6891,7 +7133,7 @@
           <p:cNvPr id="3" name="Content Placeholder 2">
             <a:extLst>
               <a:ext uri="{FF2B5EF4-FFF2-40B4-BE49-F238E27FC236}">
-                <a16:creationId xmlns:a16="http://schemas.microsoft.com/office/drawing/2014/main" xmlns="" id="{FA6A4B49-27C8-46B6-8B11-AD7E8F615E2C}"/>
+                <a16:creationId xmlns="" xmlns:a16="http://schemas.microsoft.com/office/drawing/2014/main" id="{FA6A4B49-27C8-46B6-8B11-AD7E8F615E2C}"/>
               </a:ext>
             </a:extLst>
           </p:cNvPr>
@@ -7015,7 +7257,7 @@
           <p:cNvPr id="4" name="Slide Number Placeholder 3">
             <a:extLst>
               <a:ext uri="{FF2B5EF4-FFF2-40B4-BE49-F238E27FC236}">
-                <a16:creationId xmlns:a16="http://schemas.microsoft.com/office/drawing/2014/main" xmlns="" id="{62B4CE3A-8C88-45AA-A849-57E5A7AC22C1}"/>
+                <a16:creationId xmlns="" xmlns:a16="http://schemas.microsoft.com/office/drawing/2014/main" id="{62B4CE3A-8C88-45AA-A849-57E5A7AC22C1}"/>
               </a:ext>
             </a:extLst>
           </p:cNvPr>
@@ -7054,10 +7296,10 @@
           <p:cNvPr id="11" name="Rectangle 10">
             <a:extLst>
               <a:ext uri="{FF2B5EF4-FFF2-40B4-BE49-F238E27FC236}">
-                <a16:creationId xmlns:a16="http://schemas.microsoft.com/office/drawing/2014/main" xmlns="" id="{5F253864-26FA-4AB1-9F0A-4F57D870EE85}"/>
+                <a16:creationId xmlns="" xmlns:a16="http://schemas.microsoft.com/office/drawing/2014/main" id="{5F253864-26FA-4AB1-9F0A-4F57D870EE85}"/>
               </a:ext>
               <a:ext uri="{C183D7F6-B498-43B3-948B-1728B52AA6E4}">
-                <adec:decorative xmlns="" xmlns:adec="http://schemas.microsoft.com/office/drawing/2017/decorative" val="1"/>
+                <adec:decorative xmlns:adec="http://schemas.microsoft.com/office/drawing/2017/decorative" xmlns="" val="1"/>
               </a:ext>
             </a:extLst>
           </p:cNvPr>
@@ -7134,7 +7376,7 @@
     </p:spTree>
     <p:extLst>
       <p:ext uri="{BB962C8B-B14F-4D97-AF65-F5344CB8AC3E}">
-        <p14:creationId xmlns:p14="http://schemas.microsoft.com/office/powerpoint/2010/main" xmlns="" val="1281103274"/>
+        <p14:creationId xmlns="" xmlns:p14="http://schemas.microsoft.com/office/powerpoint/2010/main" val="1281103274"/>
       </p:ext>
     </p:extLst>
   </p:cSld>
@@ -7173,7 +7415,7 @@
           <p:cNvPr id="2" name="Title 1">
             <a:extLst>
               <a:ext uri="{FF2B5EF4-FFF2-40B4-BE49-F238E27FC236}">
-                <a16:creationId xmlns:a16="http://schemas.microsoft.com/office/drawing/2014/main" xmlns="" id="{E199600F-A17E-4354-A7AB-0CC2A43A9354}"/>
+                <a16:creationId xmlns="" xmlns:a16="http://schemas.microsoft.com/office/drawing/2014/main" id="{E199600F-A17E-4354-A7AB-0CC2A43A9354}"/>
               </a:ext>
             </a:extLst>
           </p:cNvPr>
@@ -7208,7 +7450,7 @@
           <p:cNvPr id="3" name="Content Placeholder 2">
             <a:extLst>
               <a:ext uri="{FF2B5EF4-FFF2-40B4-BE49-F238E27FC236}">
-                <a16:creationId xmlns:a16="http://schemas.microsoft.com/office/drawing/2014/main" xmlns="" id="{FA6A4B49-27C8-46B6-8B11-AD7E8F615E2C}"/>
+                <a16:creationId xmlns="" xmlns:a16="http://schemas.microsoft.com/office/drawing/2014/main" id="{FA6A4B49-27C8-46B6-8B11-AD7E8F615E2C}"/>
               </a:ext>
             </a:extLst>
           </p:cNvPr>
@@ -7288,7 +7530,7 @@
           <p:cNvPr id="4" name="Slide Number Placeholder 3">
             <a:extLst>
               <a:ext uri="{FF2B5EF4-FFF2-40B4-BE49-F238E27FC236}">
-                <a16:creationId xmlns:a16="http://schemas.microsoft.com/office/drawing/2014/main" xmlns="" id="{62B4CE3A-8C88-45AA-A849-57E5A7AC22C1}"/>
+                <a16:creationId xmlns="" xmlns:a16="http://schemas.microsoft.com/office/drawing/2014/main" id="{62B4CE3A-8C88-45AA-A849-57E5A7AC22C1}"/>
               </a:ext>
             </a:extLst>
           </p:cNvPr>
@@ -7327,10 +7569,10 @@
           <p:cNvPr id="11" name="Rectangle 10">
             <a:extLst>
               <a:ext uri="{FF2B5EF4-FFF2-40B4-BE49-F238E27FC236}">
-                <a16:creationId xmlns:a16="http://schemas.microsoft.com/office/drawing/2014/main" xmlns="" id="{5F253864-26FA-4AB1-9F0A-4F57D870EE85}"/>
+                <a16:creationId xmlns="" xmlns:a16="http://schemas.microsoft.com/office/drawing/2014/main" id="{5F253864-26FA-4AB1-9F0A-4F57D870EE85}"/>
               </a:ext>
               <a:ext uri="{C183D7F6-B498-43B3-948B-1728B52AA6E4}">
-                <adec:decorative xmlns="" xmlns:adec="http://schemas.microsoft.com/office/drawing/2017/decorative" val="1"/>
+                <adec:decorative xmlns:adec="http://schemas.microsoft.com/office/drawing/2017/decorative" xmlns="" val="1"/>
               </a:ext>
             </a:extLst>
           </p:cNvPr>
@@ -7383,7 +7625,7 @@
     </p:spTree>
     <p:extLst>
       <p:ext uri="{BB962C8B-B14F-4D97-AF65-F5344CB8AC3E}">
-        <p14:creationId xmlns:p14="http://schemas.microsoft.com/office/powerpoint/2010/main" xmlns="" val="3666108874"/>
+        <p14:creationId xmlns="" xmlns:p14="http://schemas.microsoft.com/office/powerpoint/2010/main" val="3666108874"/>
       </p:ext>
     </p:extLst>
   </p:cSld>
@@ -7422,7 +7664,7 @@
           <p:cNvPr id="2" name="Title 1">
             <a:extLst>
               <a:ext uri="{FF2B5EF4-FFF2-40B4-BE49-F238E27FC236}">
-                <a16:creationId xmlns:a16="http://schemas.microsoft.com/office/drawing/2014/main" xmlns="" id="{E199600F-A17E-4354-A7AB-0CC2A43A9354}"/>
+                <a16:creationId xmlns="" xmlns:a16="http://schemas.microsoft.com/office/drawing/2014/main" id="{E199600F-A17E-4354-A7AB-0CC2A43A9354}"/>
               </a:ext>
             </a:extLst>
           </p:cNvPr>
@@ -7457,7 +7699,7 @@
           <p:cNvPr id="3" name="Content Placeholder 2">
             <a:extLst>
               <a:ext uri="{FF2B5EF4-FFF2-40B4-BE49-F238E27FC236}">
-                <a16:creationId xmlns:a16="http://schemas.microsoft.com/office/drawing/2014/main" xmlns="" id="{FA6A4B49-27C8-46B6-8B11-AD7E8F615E2C}"/>
+                <a16:creationId xmlns="" xmlns:a16="http://schemas.microsoft.com/office/drawing/2014/main" id="{FA6A4B49-27C8-46B6-8B11-AD7E8F615E2C}"/>
               </a:ext>
             </a:extLst>
           </p:cNvPr>
@@ -7488,7 +7730,15 @@
           <a:p>
             <a:r>
               <a:rPr lang="en-US" sz="2800" dirty="0" smtClean="0"/>
-              <a:t>Each time a new method call is made a new stack frame is and a record corresponding to the current method call is pushed onto this frame. Whenever a method call finishes its stack frame is popped off from the stack. This entire stack of any thread is referred to as its Stack Trace.</a:t>
+              <a:t>Each time a new method call is made a new stack frame is </a:t>
+            </a:r>
+            <a:r>
+              <a:rPr lang="en-US" sz="2800" dirty="0" smtClean="0"/>
+              <a:t>allocated and </a:t>
+            </a:r>
+            <a:r>
+              <a:rPr lang="en-US" sz="2800" dirty="0" smtClean="0"/>
+              <a:t>a record corresponding to the current method call is pushed onto this frame. Whenever a method call finishes its stack frame is popped off from the stack. This entire stack of any thread is referred to as its Stack Trace.</a:t>
             </a:r>
             <a:endParaRPr lang="en-US" sz="2600" dirty="0" smtClean="0"/>
           </a:p>
@@ -7499,7 +7749,7 @@
           <p:cNvPr id="4" name="Slide Number Placeholder 3">
             <a:extLst>
               <a:ext uri="{FF2B5EF4-FFF2-40B4-BE49-F238E27FC236}">
-                <a16:creationId xmlns:a16="http://schemas.microsoft.com/office/drawing/2014/main" xmlns="" id="{62B4CE3A-8C88-45AA-A849-57E5A7AC22C1}"/>
+                <a16:creationId xmlns="" xmlns:a16="http://schemas.microsoft.com/office/drawing/2014/main" id="{62B4CE3A-8C88-45AA-A849-57E5A7AC22C1}"/>
               </a:ext>
             </a:extLst>
           </p:cNvPr>
@@ -7538,10 +7788,10 @@
           <p:cNvPr id="11" name="Rectangle 10">
             <a:extLst>
               <a:ext uri="{FF2B5EF4-FFF2-40B4-BE49-F238E27FC236}">
-                <a16:creationId xmlns:a16="http://schemas.microsoft.com/office/drawing/2014/main" xmlns="" id="{5F253864-26FA-4AB1-9F0A-4F57D870EE85}"/>
+                <a16:creationId xmlns="" xmlns:a16="http://schemas.microsoft.com/office/drawing/2014/main" id="{5F253864-26FA-4AB1-9F0A-4F57D870EE85}"/>
               </a:ext>
               <a:ext uri="{C183D7F6-B498-43B3-948B-1728B52AA6E4}">
-                <adec:decorative xmlns="" xmlns:adec="http://schemas.microsoft.com/office/drawing/2017/decorative" val="1"/>
+                <adec:decorative xmlns:adec="http://schemas.microsoft.com/office/drawing/2017/decorative" xmlns="" val="1"/>
               </a:ext>
             </a:extLst>
           </p:cNvPr>
@@ -7594,7 +7844,7 @@
     </p:spTree>
     <p:extLst>
       <p:ext uri="{BB962C8B-B14F-4D97-AF65-F5344CB8AC3E}">
-        <p14:creationId xmlns:p14="http://schemas.microsoft.com/office/powerpoint/2010/main" xmlns="" val="3934376533"/>
+        <p14:creationId xmlns="" xmlns:p14="http://schemas.microsoft.com/office/powerpoint/2010/main" val="3934376533"/>
       </p:ext>
     </p:extLst>
   </p:cSld>
@@ -7633,7 +7883,7 @@
           <p:cNvPr id="2" name="Title 1">
             <a:extLst>
               <a:ext uri="{FF2B5EF4-FFF2-40B4-BE49-F238E27FC236}">
-                <a16:creationId xmlns:a16="http://schemas.microsoft.com/office/drawing/2014/main" xmlns="" id="{E199600F-A17E-4354-A7AB-0CC2A43A9354}"/>
+                <a16:creationId xmlns="" xmlns:a16="http://schemas.microsoft.com/office/drawing/2014/main" id="{E199600F-A17E-4354-A7AB-0CC2A43A9354}"/>
               </a:ext>
             </a:extLst>
           </p:cNvPr>
@@ -7668,7 +7918,7 @@
           <p:cNvPr id="3" name="Content Placeholder 2">
             <a:extLst>
               <a:ext uri="{FF2B5EF4-FFF2-40B4-BE49-F238E27FC236}">
-                <a16:creationId xmlns:a16="http://schemas.microsoft.com/office/drawing/2014/main" xmlns="" id="{FA6A4B49-27C8-46B6-8B11-AD7E8F615E2C}"/>
+                <a16:creationId xmlns="" xmlns:a16="http://schemas.microsoft.com/office/drawing/2014/main" id="{FA6A4B49-27C8-46B6-8B11-AD7E8F615E2C}"/>
               </a:ext>
             </a:extLst>
           </p:cNvPr>
@@ -7764,7 +8014,7 @@
           <p:cNvPr id="4" name="Slide Number Placeholder 3">
             <a:extLst>
               <a:ext uri="{FF2B5EF4-FFF2-40B4-BE49-F238E27FC236}">
-                <a16:creationId xmlns:a16="http://schemas.microsoft.com/office/drawing/2014/main" xmlns="" id="{62B4CE3A-8C88-45AA-A849-57E5A7AC22C1}"/>
+                <a16:creationId xmlns="" xmlns:a16="http://schemas.microsoft.com/office/drawing/2014/main" id="{62B4CE3A-8C88-45AA-A849-57E5A7AC22C1}"/>
               </a:ext>
             </a:extLst>
           </p:cNvPr>
@@ -7803,10 +8053,10 @@
           <p:cNvPr id="11" name="Rectangle 10">
             <a:extLst>
               <a:ext uri="{FF2B5EF4-FFF2-40B4-BE49-F238E27FC236}">
-                <a16:creationId xmlns:a16="http://schemas.microsoft.com/office/drawing/2014/main" xmlns="" id="{5F253864-26FA-4AB1-9F0A-4F57D870EE85}"/>
+                <a16:creationId xmlns="" xmlns:a16="http://schemas.microsoft.com/office/drawing/2014/main" id="{5F253864-26FA-4AB1-9F0A-4F57D870EE85}"/>
               </a:ext>
               <a:ext uri="{C183D7F6-B498-43B3-948B-1728B52AA6E4}">
-                <adec:decorative xmlns="" xmlns:adec="http://schemas.microsoft.com/office/drawing/2017/decorative" val="1"/>
+                <adec:decorative xmlns:adec="http://schemas.microsoft.com/office/drawing/2017/decorative" xmlns="" val="1"/>
               </a:ext>
             </a:extLst>
           </p:cNvPr>
@@ -7859,7 +8109,7 @@
     </p:spTree>
     <p:extLst>
       <p:ext uri="{BB962C8B-B14F-4D97-AF65-F5344CB8AC3E}">
-        <p14:creationId xmlns:p14="http://schemas.microsoft.com/office/powerpoint/2010/main" xmlns="" val="1446688970"/>
+        <p14:creationId xmlns="" xmlns:p14="http://schemas.microsoft.com/office/powerpoint/2010/main" val="1446688970"/>
       </p:ext>
     </p:extLst>
   </p:cSld>
@@ -7898,7 +8148,7 @@
           <p:cNvPr id="2" name="Title 1">
             <a:extLst>
               <a:ext uri="{FF2B5EF4-FFF2-40B4-BE49-F238E27FC236}">
-                <a16:creationId xmlns:a16="http://schemas.microsoft.com/office/drawing/2014/main" xmlns="" id="{E199600F-A17E-4354-A7AB-0CC2A43A9354}"/>
+                <a16:creationId xmlns="" xmlns:a16="http://schemas.microsoft.com/office/drawing/2014/main" id="{E199600F-A17E-4354-A7AB-0CC2A43A9354}"/>
               </a:ext>
             </a:extLst>
           </p:cNvPr>
@@ -7932,7 +8182,7 @@
           <p:cNvPr id="3" name="Content Placeholder 2">
             <a:extLst>
               <a:ext uri="{FF2B5EF4-FFF2-40B4-BE49-F238E27FC236}">
-                <a16:creationId xmlns:a16="http://schemas.microsoft.com/office/drawing/2014/main" xmlns="" id="{FA6A4B49-27C8-46B6-8B11-AD7E8F615E2C}"/>
+                <a16:creationId xmlns="" xmlns:a16="http://schemas.microsoft.com/office/drawing/2014/main" id="{FA6A4B49-27C8-46B6-8B11-AD7E8F615E2C}"/>
               </a:ext>
             </a:extLst>
           </p:cNvPr>
@@ -8042,7 +8292,7 @@
           <p:cNvPr id="4" name="Slide Number Placeholder 3">
             <a:extLst>
               <a:ext uri="{FF2B5EF4-FFF2-40B4-BE49-F238E27FC236}">
-                <a16:creationId xmlns:a16="http://schemas.microsoft.com/office/drawing/2014/main" xmlns="" id="{62B4CE3A-8C88-45AA-A849-57E5A7AC22C1}"/>
+                <a16:creationId xmlns="" xmlns:a16="http://schemas.microsoft.com/office/drawing/2014/main" id="{62B4CE3A-8C88-45AA-A849-57E5A7AC22C1}"/>
               </a:ext>
             </a:extLst>
           </p:cNvPr>
@@ -8081,10 +8331,10 @@
           <p:cNvPr id="11" name="Rectangle 10">
             <a:extLst>
               <a:ext uri="{FF2B5EF4-FFF2-40B4-BE49-F238E27FC236}">
-                <a16:creationId xmlns:a16="http://schemas.microsoft.com/office/drawing/2014/main" xmlns="" id="{5F253864-26FA-4AB1-9F0A-4F57D870EE85}"/>
+                <a16:creationId xmlns="" xmlns:a16="http://schemas.microsoft.com/office/drawing/2014/main" id="{5F253864-26FA-4AB1-9F0A-4F57D870EE85}"/>
               </a:ext>
               <a:ext uri="{C183D7F6-B498-43B3-948B-1728B52AA6E4}">
-                <adec:decorative xmlns="" xmlns:adec="http://schemas.microsoft.com/office/drawing/2017/decorative" val="1"/>
+                <adec:decorative xmlns:adec="http://schemas.microsoft.com/office/drawing/2017/decorative" xmlns="" val="1"/>
               </a:ext>
             </a:extLst>
           </p:cNvPr>
@@ -8146,7 +8396,7 @@
           <a:blip r:embed="rId2">
             <a:extLst>
               <a:ext uri="{28A0092B-C50C-407E-A947-70E740481C1C}">
-                <a14:useLocalDpi xmlns:a14="http://schemas.microsoft.com/office/drawing/2010/main" xmlns="" val="0"/>
+                <a14:useLocalDpi xmlns="" xmlns:a14="http://schemas.microsoft.com/office/drawing/2010/main" val="0"/>
               </a:ext>
             </a:extLst>
           </a:blip>
@@ -8166,7 +8416,7 @@
           <a:noFill/>
           <a:extLst>
             <a:ext uri="{909E8E84-426E-40DD-AFC4-6F175D3DCCD1}">
-              <a14:hiddenFill xmlns:a14="http://schemas.microsoft.com/office/drawing/2010/main" xmlns="">
+              <a14:hiddenFill xmlns="" xmlns:a14="http://schemas.microsoft.com/office/drawing/2010/main">
                 <a:solidFill>
                   <a:srgbClr val="FFFFFF"/>
                 </a:solidFill>
@@ -8178,7 +8428,7 @@
     </p:spTree>
     <p:extLst>
       <p:ext uri="{BB962C8B-B14F-4D97-AF65-F5344CB8AC3E}">
-        <p14:creationId xmlns:p14="http://schemas.microsoft.com/office/powerpoint/2010/main" xmlns="" val="2081229395"/>
+        <p14:creationId xmlns="" xmlns:p14="http://schemas.microsoft.com/office/powerpoint/2010/main" val="2081229395"/>
       </p:ext>
     </p:extLst>
   </p:cSld>
@@ -8214,13 +8464,7 @@
       </p:grpSpPr>
       <p:sp>
         <p:nvSpPr>
-          <p:cNvPr id="2" name="Title 1">
-            <a:extLst>
-              <a:ext uri="{FF2B5EF4-FFF2-40B4-BE49-F238E27FC236}">
-                <a16:creationId xmlns:a16="http://schemas.microsoft.com/office/drawing/2014/main" xmlns="" id="{E199600F-A17E-4354-A7AB-0CC2A43A9354}"/>
-              </a:ext>
-            </a:extLst>
-          </p:cNvPr>
+          <p:cNvPr id="2" name="Title 1"/>
           <p:cNvSpPr>
             <a:spLocks noGrp="1"/>
           </p:cNvSpPr>
@@ -8230,8 +8474,8 @@
         </p:nvSpPr>
         <p:spPr>
           <a:xfrm>
-            <a:off x="838199" y="611079"/>
-            <a:ext cx="10515600" cy="833663"/>
+            <a:off x="838200" y="611076"/>
+            <a:ext cx="10439400" cy="833663"/>
           </a:xfrm>
         </p:spPr>
         <p:txBody>
@@ -8241,81 +8485,15 @@
             <a:pPr algn="ctr"/>
             <a:r>
               <a:rPr lang="en-US" dirty="0" smtClean="0"/>
-              <a:t>Try-Catch or Throws Choice</a:t>
-            </a:r>
-            <a:endParaRPr lang="en-US" dirty="0"/>
-          </a:p>
-        </p:txBody>
-      </p:sp>
-      <p:sp>
-        <p:nvSpPr>
-          <p:cNvPr id="3" name="Content Placeholder 2">
-            <a:extLst>
-              <a:ext uri="{FF2B5EF4-FFF2-40B4-BE49-F238E27FC236}">
-                <a16:creationId xmlns:a16="http://schemas.microsoft.com/office/drawing/2014/main" xmlns="" id="{FA6A4B49-27C8-46B6-8B11-AD7E8F615E2C}"/>
-              </a:ext>
-            </a:extLst>
-          </p:cNvPr>
-          <p:cNvSpPr>
-            <a:spLocks noGrp="1"/>
-          </p:cNvSpPr>
-          <p:nvPr>
-            <p:ph idx="1"/>
-          </p:nvPr>
-        </p:nvSpPr>
-        <p:spPr>
-          <a:xfrm>
-            <a:off x="838199" y="1825625"/>
-            <a:ext cx="10515599" cy="4351338"/>
-          </a:xfrm>
-        </p:spPr>
-        <p:txBody>
-          <a:bodyPr>
-            <a:normAutofit fontScale="70000" lnSpcReduction="20000"/>
-          </a:bodyPr>
-          <a:lstStyle/>
-          <a:p>
-            <a:r>
-              <a:rPr lang="en-US" sz="2800" dirty="0" smtClean="0"/>
-              <a:t>In general when writing it is a common scenario that there are components or modules and then there are users of that module. Developer of the module generally specifies the input parameters for the module and return type. Apart from this if he thinks that he cannot handle a specific exception that occurs during the module execution then he can choose to delegate that exception to the user/caller of that module. This is referred to as module “throws” the exception to its caller.</a:t>
-            </a:r>
-          </a:p>
-          <a:p>
-            <a:r>
-              <a:rPr lang="en-US" sz="2800" dirty="0" smtClean="0"/>
-              <a:t>On the other hand caller of the module chooses to handle the exception locally, he can put the exception raising module usage in the try block and correspondingly put a “catch” block containing the code to successfully recover from the exception</a:t>
-            </a:r>
-          </a:p>
-          <a:p>
-            <a:r>
-              <a:rPr lang="en-US" sz="2800" dirty="0" smtClean="0"/>
-              <a:t>Alternatively the caller could also decide to delegate the exception further up the call hierarchy. In this case he could also say to its calling component that the code “throws” an exception.</a:t>
-            </a:r>
-          </a:p>
-          <a:p>
-            <a:r>
-              <a:rPr lang="en-US" sz="2800" dirty="0" smtClean="0"/>
-              <a:t>So conclusively there are two things every programmer can do about exceptions. Either to handle it locally using the try-catch block or “throws” the exception to its calling component.</a:t>
-            </a:r>
-          </a:p>
-          <a:p>
-            <a:r>
-              <a:rPr lang="en-US" sz="2800" dirty="0" smtClean="0"/>
-              <a:t>Using the “throws” way, if the exception keeps getting propagated down stack trace and ultimately if no code handles it then, JVM becomes the default handler and throws it out to the end user with the appropriate message and full stack trace down to the point where exception occurred.</a:t>
-            </a:r>
-            <a:endParaRPr lang="en-US" sz="2800" dirty="0"/>
-          </a:p>
-        </p:txBody>
-      </p:sp>
-      <p:sp>
-        <p:nvSpPr>
-          <p:cNvPr id="4" name="Slide Number Placeholder 3">
-            <a:extLst>
-              <a:ext uri="{FF2B5EF4-FFF2-40B4-BE49-F238E27FC236}">
-                <a16:creationId xmlns:a16="http://schemas.microsoft.com/office/drawing/2014/main" xmlns="" id="{62B4CE3A-8C88-45AA-A849-57E5A7AC22C1}"/>
-              </a:ext>
-            </a:extLst>
-          </p:cNvPr>
+              <a:t>Exception Handling</a:t>
+            </a:r>
+            <a:endParaRPr lang="en-IN" dirty="0"/>
+          </a:p>
+        </p:txBody>
+      </p:sp>
+      <p:sp>
+        <p:nvSpPr>
+          <p:cNvPr id="4" name="Slide Number Placeholder 3"/>
           <p:cNvSpPr>
             <a:spLocks noGrp="1"/>
           </p:cNvSpPr>
@@ -8323,18 +8501,13 @@
             <p:ph type="sldNum" sz="quarter" idx="10"/>
           </p:nvPr>
         </p:nvSpPr>
-        <p:spPr>
-          <a:xfrm>
-            <a:off x="11353800" y="6361475"/>
-            <a:ext cx="838200" cy="360000"/>
-          </a:xfrm>
-        </p:spPr>
+        <p:spPr/>
         <p:txBody>
           <a:bodyPr/>
           <a:lstStyle/>
           <a:p>
             <a:r>
-              <a:rPr lang="en-US" dirty="0"/>
+              <a:rPr lang="en-US" smtClean="0"/>
               <a:t>PAGE </a:t>
             </a:r>
             <a:fld id="{4A9B5881-4007-4345-955A-79C2656F0C49}" type="slidenum">
@@ -8346,81 +8519,35 @@
           </a:p>
         </p:txBody>
       </p:sp>
-      <p:sp>
-        <p:nvSpPr>
-          <p:cNvPr id="11" name="Rectangle 10">
-            <a:extLst>
-              <a:ext uri="{FF2B5EF4-FFF2-40B4-BE49-F238E27FC236}">
-                <a16:creationId xmlns:a16="http://schemas.microsoft.com/office/drawing/2014/main" xmlns="" id="{5F253864-26FA-4AB1-9F0A-4F57D870EE85}"/>
-              </a:ext>
-              <a:ext uri="{C183D7F6-B498-43B3-948B-1728B52AA6E4}">
-                <adec:decorative xmlns="" xmlns:adec="http://schemas.microsoft.com/office/drawing/2017/decorative" val="1"/>
-              </a:ext>
-            </a:extLst>
-          </p:cNvPr>
-          <p:cNvSpPr/>
+      <p:pic>
+        <p:nvPicPr>
+          <p:cNvPr id="5" name="Picture 4" descr="exception handling.png"/>
+          <p:cNvPicPr>
+            <a:picLocks noChangeAspect="1"/>
+          </p:cNvPicPr>
           <p:nvPr/>
-        </p:nvSpPr>
-        <p:spPr>
-          <a:xfrm>
-            <a:off x="6249555" y="6562004"/>
-            <a:ext cx="2552123" cy="159471"/>
+        </p:nvPicPr>
+        <p:blipFill>
+          <a:blip r:embed="rId2"/>
+          <a:stretch>
+            <a:fillRect/>
+          </a:stretch>
+        </p:blipFill>
+        <p:spPr>
+          <a:xfrm>
+            <a:off x="3556000" y="1679332"/>
+            <a:ext cx="5035886" cy="4861935"/>
           </a:xfrm>
           <a:prstGeom prst="rect">
             <a:avLst/>
           </a:prstGeom>
-          <a:solidFill>
-            <a:schemeClr val="tx1">
-              <a:lumMod val="85000"/>
-              <a:lumOff val="15000"/>
-            </a:schemeClr>
-          </a:solidFill>
-          <a:ln>
-            <a:noFill/>
-          </a:ln>
-        </p:spPr>
-        <p:style>
-          <a:lnRef idx="2">
-            <a:schemeClr val="accent1">
-              <a:shade val="50000"/>
-            </a:schemeClr>
-          </a:lnRef>
-          <a:fillRef idx="1">
-            <a:schemeClr val="accent1"/>
-          </a:fillRef>
-          <a:effectRef idx="0">
-            <a:schemeClr val="accent1"/>
-          </a:effectRef>
-          <a:fontRef idx="minor">
-            <a:schemeClr val="lt1"/>
-          </a:fontRef>
-        </p:style>
-        <p:txBody>
-          <a:bodyPr anchor="ctr"/>
-          <a:lstStyle/>
-          <a:p>
-            <a:pPr algn="ctr"/>
-            <a:endParaRPr lang="en-US" sz="1200" dirty="0"/>
-          </a:p>
-        </p:txBody>
-      </p:sp>
+        </p:spPr>
+      </p:pic>
     </p:spTree>
-    <p:extLst>
-      <p:ext uri="{BB962C8B-B14F-4D97-AF65-F5344CB8AC3E}">
-        <p14:creationId xmlns:p14="http://schemas.microsoft.com/office/powerpoint/2010/main" xmlns="" val="570373965"/>
-      </p:ext>
-    </p:extLst>
   </p:cSld>
   <p:clrMapOvr>
     <a:masterClrMapping/>
   </p:clrMapOvr>
-  <p:timing>
-    <p:tnLst>
-      <p:par>
-        <p:cTn id="1" dur="indefinite" restart="never" nodeType="tmRoot"/>
-      </p:par>
-    </p:tnLst>
-  </p:timing>
 </p:sld>
 </file>
 
@@ -8446,7 +8573,7 @@
           <p:cNvPr id="2" name="Title 1">
             <a:extLst>
               <a:ext uri="{FF2B5EF4-FFF2-40B4-BE49-F238E27FC236}">
-                <a16:creationId xmlns:a16="http://schemas.microsoft.com/office/drawing/2014/main" xmlns="" id="{E199600F-A17E-4354-A7AB-0CC2A43A9354}"/>
+                <a16:creationId xmlns="" xmlns:a16="http://schemas.microsoft.com/office/drawing/2014/main" id="{E199600F-A17E-4354-A7AB-0CC2A43A9354}"/>
               </a:ext>
             </a:extLst>
           </p:cNvPr>
@@ -8470,7 +8597,7 @@
             <a:pPr algn="ctr"/>
             <a:r>
               <a:rPr lang="en-US" dirty="0" smtClean="0"/>
-              <a:t>Try-Catch block</a:t>
+              <a:t>Try-Catch or Throws Choice</a:t>
             </a:r>
             <a:endParaRPr lang="en-US" dirty="0"/>
           </a:p>
@@ -8481,7 +8608,7 @@
           <p:cNvPr id="3" name="Content Placeholder 2">
             <a:extLst>
               <a:ext uri="{FF2B5EF4-FFF2-40B4-BE49-F238E27FC236}">
-                <a16:creationId xmlns:a16="http://schemas.microsoft.com/office/drawing/2014/main" xmlns="" id="{FA6A4B49-27C8-46B6-8B11-AD7E8F615E2C}"/>
+                <a16:creationId xmlns="" xmlns:a16="http://schemas.microsoft.com/office/drawing/2014/main" id="{FA6A4B49-27C8-46B6-8B11-AD7E8F615E2C}"/>
               </a:ext>
             </a:extLst>
           </p:cNvPr>
@@ -8500,37 +8627,37 @@
         </p:spPr>
         <p:txBody>
           <a:bodyPr>
-            <a:normAutofit fontScale="92500" lnSpcReduction="20000"/>
+            <a:normAutofit fontScale="70000" lnSpcReduction="20000"/>
           </a:bodyPr>
           <a:lstStyle/>
           <a:p>
             <a:r>
               <a:rPr lang="en-US" sz="2800" dirty="0" smtClean="0"/>
-              <a:t>A try block is the one which contains all the code that could potentially lead to an exception.</a:t>
+              <a:t>In general when writing it is a common scenario that there are components or modules and then there are users of that module. Developer of the module generally specifies the input parameters for the module and return type. Apart from this if he thinks that he cannot handle a specific exception that occurs during the module execution then he can choose to delegate that exception to the user/caller of that module. This is referred to as module “throws” the exception to its caller.</a:t>
             </a:r>
           </a:p>
           <a:p>
             <a:r>
               <a:rPr lang="en-US" sz="2800" dirty="0" smtClean="0"/>
-              <a:t>The try block can be followed by one or more catch blocks. Order of catch blocks is important.</a:t>
+              <a:t>On the other hand caller of the module chooses to handle the exception locally, he can put the exception raising module usage in the try block and correspondingly put a “catch” block containing the code to successfully recover from the exception</a:t>
             </a:r>
           </a:p>
           <a:p>
             <a:r>
               <a:rPr lang="en-US" sz="2800" dirty="0" smtClean="0"/>
-              <a:t>Multiple catch blocks should be written in such a way that exception classes lower in the hierarchy should appear first while the higher one should come later.</a:t>
+              <a:t>Alternatively the caller could also decide to delegate the exception further up the call hierarchy. In this case he could also say to its calling component that the code “throws” an exception.</a:t>
             </a:r>
           </a:p>
           <a:p>
             <a:r>
               <a:rPr lang="en-US" sz="2800" dirty="0" smtClean="0"/>
-              <a:t>If we try to put an exception class higher in the hierarchy above the class which is lower in the hierarchy then the catch block containing the lower exception class becomes unreachable.</a:t>
+              <a:t>So conclusively there are two things every programmer can do about exceptions. Either to handle it locally using the try-catch block or “throws” the exception to its calling component.</a:t>
             </a:r>
           </a:p>
           <a:p>
             <a:r>
               <a:rPr lang="en-US" sz="2800" dirty="0" smtClean="0"/>
-              <a:t>Since a parent class present in a higher catch block hence lower catch blocks would never be able to catch an exception.</a:t>
+              <a:t>Using the “throws” way, if the exception keeps getting propagated down stack trace and ultimately if no code handles it then, JVM becomes the default handler and throws it out to the end user with the appropriate message and full stack trace down to the point where exception occurred.</a:t>
             </a:r>
             <a:endParaRPr lang="en-US" sz="2800" dirty="0"/>
           </a:p>
@@ -8541,7 +8668,7 @@
           <p:cNvPr id="4" name="Slide Number Placeholder 3">
             <a:extLst>
               <a:ext uri="{FF2B5EF4-FFF2-40B4-BE49-F238E27FC236}">
-                <a16:creationId xmlns:a16="http://schemas.microsoft.com/office/drawing/2014/main" xmlns="" id="{62B4CE3A-8C88-45AA-A849-57E5A7AC22C1}"/>
+                <a16:creationId xmlns="" xmlns:a16="http://schemas.microsoft.com/office/drawing/2014/main" id="{62B4CE3A-8C88-45AA-A849-57E5A7AC22C1}"/>
               </a:ext>
             </a:extLst>
           </p:cNvPr>
@@ -8580,10 +8707,10 @@
           <p:cNvPr id="11" name="Rectangle 10">
             <a:extLst>
               <a:ext uri="{FF2B5EF4-FFF2-40B4-BE49-F238E27FC236}">
-                <a16:creationId xmlns:a16="http://schemas.microsoft.com/office/drawing/2014/main" xmlns="" id="{5F253864-26FA-4AB1-9F0A-4F57D870EE85}"/>
+                <a16:creationId xmlns="" xmlns:a16="http://schemas.microsoft.com/office/drawing/2014/main" id="{5F253864-26FA-4AB1-9F0A-4F57D870EE85}"/>
               </a:ext>
               <a:ext uri="{C183D7F6-B498-43B3-948B-1728B52AA6E4}">
-                <adec:decorative xmlns="" xmlns:adec="http://schemas.microsoft.com/office/drawing/2017/decorative" val="1"/>
+                <adec:decorative xmlns:adec="http://schemas.microsoft.com/office/drawing/2017/decorative" xmlns="" val="1"/>
               </a:ext>
             </a:extLst>
           </p:cNvPr>
@@ -8636,7 +8763,7 @@
     </p:spTree>
     <p:extLst>
       <p:ext uri="{BB962C8B-B14F-4D97-AF65-F5344CB8AC3E}">
-        <p14:creationId xmlns:p14="http://schemas.microsoft.com/office/powerpoint/2010/main" xmlns="" val="1262960452"/>
+        <p14:creationId xmlns="" xmlns:p14="http://schemas.microsoft.com/office/powerpoint/2010/main" val="570373965"/>
       </p:ext>
     </p:extLst>
   </p:cSld>
@@ -8675,7 +8802,7 @@
           <p:cNvPr id="2" name="Title 1">
             <a:extLst>
               <a:ext uri="{FF2B5EF4-FFF2-40B4-BE49-F238E27FC236}">
-                <a16:creationId xmlns:a16="http://schemas.microsoft.com/office/drawing/2014/main" xmlns="" id="{E199600F-A17E-4354-A7AB-0CC2A43A9354}"/>
+                <a16:creationId xmlns="" xmlns:a16="http://schemas.microsoft.com/office/drawing/2014/main" id="{E199600F-A17E-4354-A7AB-0CC2A43A9354}"/>
               </a:ext>
             </a:extLst>
           </p:cNvPr>
@@ -8699,15 +8826,7 @@
             <a:pPr algn="ctr"/>
             <a:r>
               <a:rPr lang="en-US" dirty="0" smtClean="0"/>
-              <a:t>“throw”-</a:t>
-            </a:r>
-            <a:r>
-              <a:rPr lang="en-US" dirty="0" err="1" smtClean="0"/>
-              <a:t>ing</a:t>
-            </a:r>
-            <a:r>
-              <a:rPr lang="en-US" dirty="0" smtClean="0"/>
-              <a:t> Exception</a:t>
+              <a:t>Try-Catch block</a:t>
             </a:r>
             <a:endParaRPr lang="en-US" dirty="0"/>
           </a:p>
@@ -8718,7 +8837,7 @@
           <p:cNvPr id="3" name="Content Placeholder 2">
             <a:extLst>
               <a:ext uri="{FF2B5EF4-FFF2-40B4-BE49-F238E27FC236}">
-                <a16:creationId xmlns:a16="http://schemas.microsoft.com/office/drawing/2014/main" xmlns="" id="{FA6A4B49-27C8-46B6-8B11-AD7E8F615E2C}"/>
+                <a16:creationId xmlns="" xmlns:a16="http://schemas.microsoft.com/office/drawing/2014/main" id="{FA6A4B49-27C8-46B6-8B11-AD7E8F615E2C}"/>
               </a:ext>
             </a:extLst>
           </p:cNvPr>
@@ -8737,36 +8856,39 @@
         </p:spPr>
         <p:txBody>
           <a:bodyPr>
-            <a:normAutofit/>
+            <a:normAutofit fontScale="92500" lnSpcReduction="20000"/>
           </a:bodyPr>
           <a:lstStyle/>
           <a:p>
-            <a:endParaRPr lang="en-US" sz="2800" dirty="0" smtClean="0"/>
-          </a:p>
-          <a:p>
             <a:r>
               <a:rPr lang="en-US" sz="2800" dirty="0" smtClean="0"/>
-              <a:t>A programmer also could “throw” an exception. If certain condition in the code that the programmer mandate to be fulfilled is violated and the programmer thinks that further execution is not possible then he can decide to throw an exception explicitly.</a:t>
+              <a:t>A try block is the one which contains all the code that could potentially lead to an exception.</a:t>
             </a:r>
           </a:p>
           <a:p>
             <a:r>
               <a:rPr lang="en-US" sz="2800" dirty="0" smtClean="0"/>
-              <a:t>Only exception objects can be used with “throw” clause not any other object. Hence following is an example of incorrect throw usage :</a:t>
-            </a:r>
-          </a:p>
-          <a:p>
-            <a:pPr lvl="1"/>
-            <a:r>
-              <a:rPr lang="en-US" sz="2600" dirty="0" smtClean="0"/>
-              <a:t>throw new String(“Java”)</a:t>
+              <a:t>The try block can be followed by one or more catch blocks. Order of catch blocks is important.</a:t>
             </a:r>
           </a:p>
           <a:p>
             <a:r>
               <a:rPr lang="en-US" sz="2800" dirty="0" smtClean="0"/>
-              <a:t>Only objects whose classes lie in the exception hierarchy are eligible to be used with “throw” clause.</a:t>
-            </a:r>
+              <a:t>Multiple catch blocks should be written in such a way that exception classes lower in the hierarchy should appear first while the higher one should come later.</a:t>
+            </a:r>
+          </a:p>
+          <a:p>
+            <a:r>
+              <a:rPr lang="en-US" sz="2800" dirty="0" smtClean="0"/>
+              <a:t>If we try to put an exception class higher in the hierarchy above the class which is lower in the hierarchy then the catch block containing the lower exception class becomes unreachable.</a:t>
+            </a:r>
+          </a:p>
+          <a:p>
+            <a:r>
+              <a:rPr lang="en-US" sz="2800" dirty="0" smtClean="0"/>
+              <a:t>Since a parent class present in a higher catch block hence lower catch blocks would never be able to catch an exception.</a:t>
+            </a:r>
+            <a:endParaRPr lang="en-US" sz="2800" dirty="0"/>
           </a:p>
         </p:txBody>
       </p:sp>
@@ -8775,7 +8897,7 @@
           <p:cNvPr id="4" name="Slide Number Placeholder 3">
             <a:extLst>
               <a:ext uri="{FF2B5EF4-FFF2-40B4-BE49-F238E27FC236}">
-                <a16:creationId xmlns:a16="http://schemas.microsoft.com/office/drawing/2014/main" xmlns="" id="{62B4CE3A-8C88-45AA-A849-57E5A7AC22C1}"/>
+                <a16:creationId xmlns="" xmlns:a16="http://schemas.microsoft.com/office/drawing/2014/main" id="{62B4CE3A-8C88-45AA-A849-57E5A7AC22C1}"/>
               </a:ext>
             </a:extLst>
           </p:cNvPr>
@@ -8814,10 +8936,10 @@
           <p:cNvPr id="11" name="Rectangle 10">
             <a:extLst>
               <a:ext uri="{FF2B5EF4-FFF2-40B4-BE49-F238E27FC236}">
-                <a16:creationId xmlns:a16="http://schemas.microsoft.com/office/drawing/2014/main" xmlns="" id="{5F253864-26FA-4AB1-9F0A-4F57D870EE85}"/>
+                <a16:creationId xmlns="" xmlns:a16="http://schemas.microsoft.com/office/drawing/2014/main" id="{5F253864-26FA-4AB1-9F0A-4F57D870EE85}"/>
               </a:ext>
               <a:ext uri="{C183D7F6-B498-43B3-948B-1728B52AA6E4}">
-                <adec:decorative xmlns="" xmlns:adec="http://schemas.microsoft.com/office/drawing/2017/decorative" val="1"/>
+                <adec:decorative xmlns:adec="http://schemas.microsoft.com/office/drawing/2017/decorative" xmlns="" val="1"/>
               </a:ext>
             </a:extLst>
           </p:cNvPr>
@@ -8870,7 +8992,7 @@
     </p:spTree>
     <p:extLst>
       <p:ext uri="{BB962C8B-B14F-4D97-AF65-F5344CB8AC3E}">
-        <p14:creationId xmlns:p14="http://schemas.microsoft.com/office/powerpoint/2010/main" xmlns="" val="65767595"/>
+        <p14:creationId xmlns="" xmlns:p14="http://schemas.microsoft.com/office/powerpoint/2010/main" val="1262960452"/>
       </p:ext>
     </p:extLst>
   </p:cSld>
@@ -9082,7 +9204,7 @@
   <a:extraClrSchemeLst/>
   <a:extLst>
     <a:ext uri="{05A4C25C-085E-4340-85A3-A5531E510DB2}">
-      <thm15:themeFamily xmlns:thm15="http://schemas.microsoft.com/office/thememl/2012/main" xmlns="" name="Classic-Corporate_Teach a Course_Win32_SB - v2" id="{AAA48AC2-5F99-4B13-8624-B64D50F70391}" vid="{7E93EDBA-CDC2-40D2-AD59-7619D791F782}"/>
+      <thm15:themeFamily xmlns="" xmlns:thm15="http://schemas.microsoft.com/office/thememl/2012/main" name="Classic-Corporate_Teach a Course_Win32_SB - v2" id="{AAA48AC2-5F99-4B13-8624-B64D50F70391}" vid="{7E93EDBA-CDC2-40D2-AD59-7619D791F782}"/>
     </a:ext>
   </a:extLst>
 </a:theme>
@@ -9377,7 +9499,7 @@
   <a:extraClrSchemeLst/>
   <a:extLst>
     <a:ext uri="{05A4C25C-085E-4340-85A3-A5531E510DB2}">
-      <thm15:themeFamily xmlns:thm15="http://schemas.microsoft.com/office/thememl/2012/main" xmlns="" name="Office Theme" id="{62F939B6-93AF-4DB8-9C6B-D6C7DFDC589F}" vid="{4A3C46E8-61CC-4603-A589-7422A47A8E4A}"/>
+      <thm15:themeFamily xmlns="" xmlns:thm15="http://schemas.microsoft.com/office/thememl/2012/main" name="Office Theme" id="{62F939B6-93AF-4DB8-9C6B-D6C7DFDC589F}" vid="{4A3C46E8-61CC-4603-A589-7422A47A8E4A}"/>
     </a:ext>
   </a:extLst>
 </a:theme>
@@ -9672,7 +9794,7 @@
   <a:extraClrSchemeLst/>
   <a:extLst>
     <a:ext uri="{05A4C25C-085E-4340-85A3-A5531E510DB2}">
-      <thm15:themeFamily xmlns:thm15="http://schemas.microsoft.com/office/thememl/2012/main" xmlns="" name="Office Theme" id="{62F939B6-93AF-4DB8-9C6B-D6C7DFDC589F}" vid="{4A3C46E8-61CC-4603-A589-7422A47A8E4A}"/>
+      <thm15:themeFamily xmlns="" xmlns:thm15="http://schemas.microsoft.com/office/thememl/2012/main" name="Office Theme" id="{62F939B6-93AF-4DB8-9C6B-D6C7DFDC589F}" vid="{4A3C46E8-61CC-4603-A589-7422A47A8E4A}"/>
     </a:ext>
   </a:extLst>
 </a:theme>
@@ -9765,24 +9887,6 @@
 </file>
 
 <file path=customXml/item1.xml><?xml version="1.0" encoding="utf-8"?>
-<?mso-contentType ?>
-<FormTemplates xmlns="http://schemas.microsoft.com/sharepoint/v3/contenttype/forms">
-  <Display>DocumentLibraryForm</Display>
-  <Edit>DocumentLibraryForm</Edit>
-  <New>DocumentLibraryForm</New>
-</FormTemplates>
-</file>
-
-<file path=customXml/item2.xml><?xml version="1.0" encoding="utf-8"?>
-<p:properties xmlns:p="http://schemas.microsoft.com/office/2006/metadata/properties" xmlns:xsi="http://www.w3.org/2001/XMLSchema-instance" xmlns:pc="http://schemas.microsoft.com/office/infopath/2007/PartnerControls">
-  <documentManagement>
-    <Status xmlns="71af3243-3dd4-4a8d-8c0d-dd76da1f02a5">Not started</Status>
-    <MediaServiceKeyPoints xmlns="71af3243-3dd4-4a8d-8c0d-dd76da1f02a5" xsi:nil="true"/>
-  </documentManagement>
-</p:properties>
-</file>
-
-<file path=customXml/item3.xml><?xml version="1.0" encoding="utf-8"?>
 <ct:contentTypeSchema xmlns:ct="http://schemas.microsoft.com/office/2006/metadata/contentType" xmlns:ma="http://schemas.microsoft.com/office/2006/metadata/properties/metaAttributes" ct:_="" ma:_="" ma:contentTypeName="Document" ma:contentTypeID="0x01010079F111ED35F8CC479449609E8A0923A6" ma:contentTypeVersion="12" ma:contentTypeDescription="Create a new document." ma:contentTypeScope="" ma:versionID="fa6e671f1cd7e4d96ff9652be322dd5e">
   <xsd:schema xmlns:xsd="http://www.w3.org/2001/XMLSchema" xmlns:xs="http://www.w3.org/2001/XMLSchema" xmlns:p="http://schemas.microsoft.com/office/2006/metadata/properties" xmlns:ns2="71af3243-3dd4-4a8d-8c0d-dd76da1f02a5" xmlns:ns3="16c05727-aa75-4e4a-9b5f-8a80a1165891" targetNamespace="http://schemas.microsoft.com/office/2006/metadata/properties" ma:root="true" ma:fieldsID="4e2496f70b101db0b8013f30a071bbf7" ns2:_="" ns3:_="">
     <xsd:import namespace="71af3243-3dd4-4a8d-8c0d-dd76da1f02a5"/>
@@ -10003,25 +10107,25 @@
 </ct:contentTypeSchema>
 </file>
 
-<file path=customXml/itemProps1.xml><?xml version="1.0" encoding="utf-8"?>
-<ds:datastoreItem xmlns:ds="http://schemas.openxmlformats.org/officeDocument/2006/customXml" ds:itemID="{EBB7C387-AFDC-4FE3-A658-984B7F35F155}">
-  <ds:schemaRefs>
-    <ds:schemaRef ds:uri="http://schemas.microsoft.com/sharepoint/v3/contenttype/forms"/>
-  </ds:schemaRefs>
-</ds:datastoreItem>
+<file path=customXml/item2.xml><?xml version="1.0" encoding="utf-8"?>
+<p:properties xmlns:p="http://schemas.microsoft.com/office/2006/metadata/properties" xmlns:xsi="http://www.w3.org/2001/XMLSchema-instance" xmlns:pc="http://schemas.microsoft.com/office/infopath/2007/PartnerControls">
+  <documentManagement>
+    <Status xmlns="71af3243-3dd4-4a8d-8c0d-dd76da1f02a5">Not started</Status>
+    <MediaServiceKeyPoints xmlns="71af3243-3dd4-4a8d-8c0d-dd76da1f02a5" xsi:nil="true"/>
+  </documentManagement>
+</p:properties>
 </file>
 
-<file path=customXml/itemProps2.xml><?xml version="1.0" encoding="utf-8"?>
-<ds:datastoreItem xmlns:ds="http://schemas.openxmlformats.org/officeDocument/2006/customXml" ds:itemID="{F4E32C0B-4052-44CB-9341-8AD8B2CC4712}">
-  <ds:schemaRefs>
-    <ds:schemaRef ds:uri="http://schemas.microsoft.com/office/2006/metadata/properties"/>
-    <ds:schemaRef ds:uri="http://schemas.microsoft.com/office/infopath/2007/PartnerControls"/>
-    <ds:schemaRef ds:uri="71af3243-3dd4-4a8d-8c0d-dd76da1f02a5"/>
-  </ds:schemaRefs>
-</ds:datastoreItem>
+<file path=customXml/item3.xml><?xml version="1.0" encoding="utf-8"?>
+<?mso-contentType ?>
+<FormTemplates xmlns="http://schemas.microsoft.com/sharepoint/v3/contenttype/forms">
+  <Display>DocumentLibraryForm</Display>
+  <Edit>DocumentLibraryForm</Edit>
+  <New>DocumentLibraryForm</New>
+</FormTemplates>
 </file>
 
-<file path=customXml/itemProps3.xml><?xml version="1.0" encoding="utf-8"?>
+<file path=customXml/itemProps1.xml><?xml version="1.0" encoding="utf-8"?>
 <ds:datastoreItem xmlns:ds="http://schemas.openxmlformats.org/officeDocument/2006/customXml" ds:itemID="{D6766BD6-F648-49AA-B7EC-13E75CECB99A}">
   <ds:schemaRefs>
     <ds:schemaRef ds:uri="http://schemas.microsoft.com/office/2006/metadata/contentType"/>
@@ -10038,4 +10142,22 @@
     <ds:schemaRef ds:uri="http://schemas.microsoft.com/internal/obd"/>
   </ds:schemaRefs>
 </ds:datastoreItem>
+</file>
+
+<file path=customXml/itemProps2.xml><?xml version="1.0" encoding="utf-8"?>
+<ds:datastoreItem xmlns:ds="http://schemas.openxmlformats.org/officeDocument/2006/customXml" ds:itemID="{F4E32C0B-4052-44CB-9341-8AD8B2CC4712}">
+  <ds:schemaRefs>
+    <ds:schemaRef ds:uri="http://schemas.microsoft.com/office/2006/metadata/properties"/>
+    <ds:schemaRef ds:uri="http://schemas.microsoft.com/office/infopath/2007/PartnerControls"/>
+    <ds:schemaRef ds:uri="71af3243-3dd4-4a8d-8c0d-dd76da1f02a5"/>
+  </ds:schemaRefs>
+</ds:datastoreItem>
+</file>
+
+<file path=customXml/itemProps3.xml><?xml version="1.0" encoding="utf-8"?>
+<ds:datastoreItem xmlns:ds="http://schemas.openxmlformats.org/officeDocument/2006/customXml" ds:itemID="{EBB7C387-AFDC-4FE3-A658-984B7F35F155}">
+  <ds:schemaRefs>
+    <ds:schemaRef ds:uri="http://schemas.microsoft.com/sharepoint/v3/contenttype/forms"/>
+  </ds:schemaRefs>
+</ds:datastoreItem>
 </file>